--- a/report/实验6/算法实验06.pptx
+++ b/report/实验6/算法实验06.pptx
@@ -10,13 +10,13 @@
   <p:sldIdLst>
     <p:sldId id="256" r:id="rId2"/>
     <p:sldId id="262" r:id="rId3"/>
-    <p:sldId id="275" r:id="rId4"/>
-    <p:sldId id="276" r:id="rId5"/>
-    <p:sldId id="277" r:id="rId6"/>
-    <p:sldId id="281" r:id="rId7"/>
-    <p:sldId id="278" r:id="rId8"/>
-    <p:sldId id="283" r:id="rId9"/>
-    <p:sldId id="280" r:id="rId10"/>
+    <p:sldId id="284" r:id="rId4"/>
+    <p:sldId id="285" r:id="rId5"/>
+    <p:sldId id="286" r:id="rId6"/>
+    <p:sldId id="287" r:id="rId7"/>
+    <p:sldId id="288" r:id="rId8"/>
+    <p:sldId id="289" r:id="rId9"/>
+    <p:sldId id="290" r:id="rId10"/>
     <p:sldId id="274" r:id="rId11"/>
   </p:sldIdLst>
   <p:sldSz cx="12192000" cy="6858000"/>
@@ -3931,39 +3931,39 @@
           </p:nvPr>
         </p:nvSpPr>
         <p:spPr>
+          <a:xfrm flipV="1">
+            <a:off x="838200" y="-808892"/>
+            <a:ext cx="10515600" cy="1174018"/>
+          </a:xfrm>
+        </p:spPr>
+        <p:txBody>
+          <a:bodyPr/>
+          <a:lstStyle/>
+          <a:p>
+            <a:endParaRPr lang="zh-CN" altLang="en-US" dirty="0"/>
+          </a:p>
+        </p:txBody>
+      </p:sp>
+      <p:sp>
+        <p:nvSpPr>
+          <p:cNvPr id="3" name="内容占位符 2">
+            <a:extLst>
+              <a:ext uri="{FF2B5EF4-FFF2-40B4-BE49-F238E27FC236}">
+                <a16:creationId xmlns:a16="http://schemas.microsoft.com/office/drawing/2014/main" id="{459ED527-9898-43F3-87D6-491258EF465D}"/>
+              </a:ext>
+            </a:extLst>
+          </p:cNvPr>
+          <p:cNvSpPr>
+            <a:spLocks noGrp="1"/>
+          </p:cNvSpPr>
+          <p:nvPr>
+            <p:ph idx="1"/>
+          </p:nvPr>
+        </p:nvSpPr>
+        <p:spPr>
           <a:xfrm>
             <a:off x="838200" y="365126"/>
-            <a:ext cx="10515600" cy="895504"/>
-          </a:xfrm>
-        </p:spPr>
-        <p:txBody>
-          <a:bodyPr/>
-          <a:lstStyle/>
-          <a:p>
-            <a:endParaRPr lang="zh-CN" altLang="en-US" dirty="0"/>
-          </a:p>
-        </p:txBody>
-      </p:sp>
-      <p:sp>
-        <p:nvSpPr>
-          <p:cNvPr id="3" name="内容占位符 2">
-            <a:extLst>
-              <a:ext uri="{FF2B5EF4-FFF2-40B4-BE49-F238E27FC236}">
-                <a16:creationId xmlns:a16="http://schemas.microsoft.com/office/drawing/2014/main" id="{459ED527-9898-43F3-87D6-491258EF465D}"/>
-              </a:ext>
-            </a:extLst>
-          </p:cNvPr>
-          <p:cNvSpPr>
-            <a:spLocks noGrp="1"/>
-          </p:cNvSpPr>
-          <p:nvPr>
-            <p:ph idx="1"/>
-          </p:nvPr>
-        </p:nvSpPr>
-        <p:spPr>
-          <a:xfrm>
-            <a:off x="838200" y="1260630"/>
-            <a:ext cx="10515600" cy="4916333"/>
+            <a:ext cx="10515600" cy="5811837"/>
           </a:xfrm>
         </p:spPr>
         <p:txBody>
@@ -3975,10 +3975,6 @@
             <a:pPr marL="0" indent="0">
               <a:buNone/>
             </a:pPr>
-            <a:r>
-              <a:rPr lang="zh-CN" altLang="en-US" sz="1800" dirty="0"/>
-              <a:t>我们先提取出信息：</a:t>
-            </a:r>
             <a:r>
               <a:rPr lang="zh-CN" altLang="zh-CN" sz="1800" dirty="0">
                 <a:effectLst/>
@@ -4058,7 +4054,7 @@
                 <a:ea typeface="宋体" panose="02010600030101010101" pitchFamily="2" charset="-122"/>
                 <a:cs typeface="Times New Roman" panose="02020603050405020304" pitchFamily="18" charset="0"/>
               </a:rPr>
-              <a:t>篇论文</a:t>
+              <a:t>篇论文。请设计一个论文分配方案</a:t>
             </a:r>
             <a:endParaRPr lang="en-US" altLang="zh-CN" sz="1800" dirty="0">
               <a:effectLst/>
@@ -4072,6 +4068,7 @@
               <a:buNone/>
             </a:pPr>
             <a:endParaRPr lang="en-US" altLang="zh-CN" sz="1800" dirty="0">
+              <a:effectLst/>
               <a:latin typeface="Calibri" panose="020F0502020204030204" pitchFamily="34" charset="0"/>
               <a:ea typeface="宋体" panose="02010600030101010101" pitchFamily="2" charset="-122"/>
               <a:cs typeface="Times New Roman" panose="02020603050405020304" pitchFamily="18" charset="0"/>
@@ -4081,19 +4078,407 @@
             <a:pPr marL="0" indent="0">
               <a:buNone/>
             </a:pPr>
-            <a:endParaRPr lang="en-US" altLang="zh-CN" sz="1800" dirty="0"/>
+            <a:r>
+              <a:rPr lang="zh-CN" altLang="en-US" sz="1800" dirty="0">
+                <a:effectLst/>
+                <a:latin typeface="Calibri" panose="020F0502020204030204" pitchFamily="34" charset="0"/>
+                <a:ea typeface="宋体" panose="02010600030101010101" pitchFamily="2" charset="-122"/>
+                <a:cs typeface="Times New Roman" panose="02020603050405020304" pitchFamily="18" charset="0"/>
+              </a:rPr>
+              <a:t>信息提取：</a:t>
+            </a:r>
+            <a:endParaRPr lang="en-US" altLang="zh-CN" sz="1800" dirty="0">
+              <a:latin typeface="Calibri" panose="020F0502020204030204" pitchFamily="34" charset="0"/>
+              <a:ea typeface="宋体" panose="02010600030101010101" pitchFamily="2" charset="-122"/>
+              <a:cs typeface="Times New Roman" panose="02020603050405020304" pitchFamily="18" charset="0"/>
+            </a:endParaRPr>
           </a:p>
           <a:p>
             <a:pPr marL="0" indent="0">
               <a:buNone/>
             </a:pPr>
-            <a:endParaRPr lang="en-US" altLang="zh-CN" sz="1800" dirty="0"/>
+            <a:r>
+              <a:rPr lang="zh-CN" altLang="en-US" sz="1800" dirty="0">
+                <a:effectLst/>
+                <a:latin typeface="Calibri" panose="020F0502020204030204" pitchFamily="34" charset="0"/>
+                <a:ea typeface="宋体" panose="02010600030101010101" pitchFamily="2" charset="-122"/>
+                <a:cs typeface="Times New Roman" panose="02020603050405020304" pitchFamily="18" charset="0"/>
+              </a:rPr>
+              <a:t>（</a:t>
+            </a:r>
+            <a:r>
+              <a:rPr lang="en-US" altLang="zh-CN" sz="1800" dirty="0">
+                <a:effectLst/>
+                <a:latin typeface="Calibri" panose="020F0502020204030204" pitchFamily="34" charset="0"/>
+                <a:ea typeface="宋体" panose="02010600030101010101" pitchFamily="2" charset="-122"/>
+                <a:cs typeface="Times New Roman" panose="02020603050405020304" pitchFamily="18" charset="0"/>
+              </a:rPr>
+              <a:t>1</a:t>
+            </a:r>
+            <a:r>
+              <a:rPr lang="zh-CN" altLang="en-US" sz="1800" dirty="0">
+                <a:effectLst/>
+                <a:latin typeface="Calibri" panose="020F0502020204030204" pitchFamily="34" charset="0"/>
+                <a:ea typeface="宋体" panose="02010600030101010101" pitchFamily="2" charset="-122"/>
+                <a:cs typeface="Times New Roman" panose="02020603050405020304" pitchFamily="18" charset="0"/>
+              </a:rPr>
+              <a:t>）一个评委只能对一篇论文评审一次</a:t>
+            </a:r>
+            <a:endParaRPr lang="en-US" altLang="zh-CN" sz="1800" dirty="0">
+              <a:effectLst/>
+              <a:latin typeface="Calibri" panose="020F0502020204030204" pitchFamily="34" charset="0"/>
+              <a:ea typeface="宋体" panose="02010600030101010101" pitchFamily="2" charset="-122"/>
+              <a:cs typeface="Times New Roman" panose="02020603050405020304" pitchFamily="18" charset="0"/>
+            </a:endParaRPr>
           </a:p>
           <a:p>
             <a:pPr marL="0" indent="0">
               <a:buNone/>
             </a:pPr>
-            <a:endParaRPr lang="en-US" altLang="zh-CN" sz="1800" dirty="0"/>
+            <a:r>
+              <a:rPr lang="zh-CN" altLang="en-US" sz="1800" dirty="0">
+                <a:latin typeface="Calibri" panose="020F0502020204030204" pitchFamily="34" charset="0"/>
+                <a:ea typeface="宋体" panose="02010600030101010101" pitchFamily="2" charset="-122"/>
+                <a:cs typeface="Times New Roman" panose="02020603050405020304" pitchFamily="18" charset="0"/>
+              </a:rPr>
+              <a:t>（</a:t>
+            </a:r>
+            <a:r>
+              <a:rPr lang="en-US" altLang="zh-CN" sz="1800" dirty="0">
+                <a:latin typeface="Calibri" panose="020F0502020204030204" pitchFamily="34" charset="0"/>
+                <a:ea typeface="宋体" panose="02010600030101010101" pitchFamily="2" charset="-122"/>
+                <a:cs typeface="Times New Roman" panose="02020603050405020304" pitchFamily="18" charset="0"/>
+              </a:rPr>
+              <a:t>2</a:t>
+            </a:r>
+            <a:r>
+              <a:rPr lang="zh-CN" altLang="en-US" sz="1800" dirty="0">
+                <a:latin typeface="Calibri" panose="020F0502020204030204" pitchFamily="34" charset="0"/>
+                <a:ea typeface="宋体" panose="02010600030101010101" pitchFamily="2" charset="-122"/>
+                <a:cs typeface="Times New Roman" panose="02020603050405020304" pitchFamily="18" charset="0"/>
+              </a:rPr>
+              <a:t>）每篇论文一共要评审</a:t>
+            </a:r>
+            <a:r>
+              <a:rPr lang="en-US" altLang="zh-CN" sz="1800" dirty="0">
+                <a:latin typeface="Calibri" panose="020F0502020204030204" pitchFamily="34" charset="0"/>
+                <a:ea typeface="宋体" panose="02010600030101010101" pitchFamily="2" charset="-122"/>
+                <a:cs typeface="Times New Roman" panose="02020603050405020304" pitchFamily="18" charset="0"/>
+              </a:rPr>
+              <a:t>a</a:t>
+            </a:r>
+            <a:r>
+              <a:rPr lang="zh-CN" altLang="en-US" sz="1800" dirty="0">
+                <a:latin typeface="Calibri" panose="020F0502020204030204" pitchFamily="34" charset="0"/>
+                <a:ea typeface="宋体" panose="02010600030101010101" pitchFamily="2" charset="-122"/>
+                <a:cs typeface="Times New Roman" panose="02020603050405020304" pitchFamily="18" charset="0"/>
+              </a:rPr>
+              <a:t>次</a:t>
+            </a:r>
+            <a:endParaRPr lang="en-US" altLang="zh-CN" sz="1800" dirty="0">
+              <a:latin typeface="Calibri" panose="020F0502020204030204" pitchFamily="34" charset="0"/>
+              <a:ea typeface="宋体" panose="02010600030101010101" pitchFamily="2" charset="-122"/>
+              <a:cs typeface="Times New Roman" panose="02020603050405020304" pitchFamily="18" charset="0"/>
+            </a:endParaRPr>
+          </a:p>
+          <a:p>
+            <a:pPr marL="0" indent="0">
+              <a:buNone/>
+            </a:pPr>
+            <a:r>
+              <a:rPr lang="zh-CN" altLang="en-US" sz="1800" dirty="0">
+                <a:effectLst/>
+                <a:latin typeface="Calibri" panose="020F0502020204030204" pitchFamily="34" charset="0"/>
+                <a:ea typeface="宋体" panose="02010600030101010101" pitchFamily="2" charset="-122"/>
+                <a:cs typeface="Times New Roman" panose="02020603050405020304" pitchFamily="18" charset="0"/>
+              </a:rPr>
+              <a:t>（</a:t>
+            </a:r>
+            <a:r>
+              <a:rPr lang="en-US" altLang="zh-CN" sz="1800" dirty="0">
+                <a:effectLst/>
+                <a:latin typeface="Calibri" panose="020F0502020204030204" pitchFamily="34" charset="0"/>
+                <a:ea typeface="宋体" panose="02010600030101010101" pitchFamily="2" charset="-122"/>
+                <a:cs typeface="Times New Roman" panose="02020603050405020304" pitchFamily="18" charset="0"/>
+              </a:rPr>
+              <a:t>3</a:t>
+            </a:r>
+            <a:r>
+              <a:rPr lang="zh-CN" altLang="en-US" sz="1800" dirty="0">
+                <a:effectLst/>
+                <a:latin typeface="Calibri" panose="020F0502020204030204" pitchFamily="34" charset="0"/>
+                <a:ea typeface="宋体" panose="02010600030101010101" pitchFamily="2" charset="-122"/>
+                <a:cs typeface="Times New Roman" panose="02020603050405020304" pitchFamily="18" charset="0"/>
+              </a:rPr>
+              <a:t>）每个评委最多评审</a:t>
+            </a:r>
+            <a:r>
+              <a:rPr lang="en-US" altLang="zh-CN" sz="1800" dirty="0">
+                <a:latin typeface="Calibri" panose="020F0502020204030204" pitchFamily="34" charset="0"/>
+                <a:ea typeface="宋体" panose="02010600030101010101" pitchFamily="2" charset="-122"/>
+                <a:cs typeface="Times New Roman" panose="02020603050405020304" pitchFamily="18" charset="0"/>
+              </a:rPr>
+              <a:t>b</a:t>
+            </a:r>
+            <a:r>
+              <a:rPr lang="zh-CN" altLang="en-US" sz="1800" dirty="0">
+                <a:latin typeface="Calibri" panose="020F0502020204030204" pitchFamily="34" charset="0"/>
+                <a:ea typeface="宋体" panose="02010600030101010101" pitchFamily="2" charset="-122"/>
+                <a:cs typeface="Times New Roman" panose="02020603050405020304" pitchFamily="18" charset="0"/>
+              </a:rPr>
+              <a:t>篇</a:t>
+            </a:r>
+            <a:endParaRPr lang="en-US" altLang="zh-CN" sz="1800" dirty="0">
+              <a:latin typeface="Calibri" panose="020F0502020204030204" pitchFamily="34" charset="0"/>
+              <a:ea typeface="宋体" panose="02010600030101010101" pitchFamily="2" charset="-122"/>
+              <a:cs typeface="Times New Roman" panose="02020603050405020304" pitchFamily="18" charset="0"/>
+            </a:endParaRPr>
+          </a:p>
+          <a:p>
+            <a:pPr marL="0" indent="0">
+              <a:buNone/>
+            </a:pPr>
+            <a:endParaRPr lang="en-US" altLang="zh-CN" sz="1800" dirty="0">
+              <a:effectLst/>
+              <a:latin typeface="Calibri" panose="020F0502020204030204" pitchFamily="34" charset="0"/>
+              <a:ea typeface="宋体" panose="02010600030101010101" pitchFamily="2" charset="-122"/>
+              <a:cs typeface="Times New Roman" panose="02020603050405020304" pitchFamily="18" charset="0"/>
+            </a:endParaRPr>
+          </a:p>
+          <a:p>
+            <a:pPr marL="0" indent="0">
+              <a:buNone/>
+            </a:pPr>
+            <a:r>
+              <a:rPr lang="zh-CN" altLang="en-US" sz="1800" dirty="0">
+                <a:latin typeface="Calibri" panose="020F0502020204030204" pitchFamily="34" charset="0"/>
+                <a:ea typeface="宋体" panose="02010600030101010101" pitchFamily="2" charset="-122"/>
+                <a:cs typeface="Times New Roman" panose="02020603050405020304" pitchFamily="18" charset="0"/>
+              </a:rPr>
+              <a:t>由此可以推导出不可能存在解的情况：</a:t>
+            </a:r>
+            <a:endParaRPr lang="en-US" altLang="zh-CN" sz="1800" dirty="0">
+              <a:latin typeface="Calibri" panose="020F0502020204030204" pitchFamily="34" charset="0"/>
+              <a:ea typeface="宋体" panose="02010600030101010101" pitchFamily="2" charset="-122"/>
+              <a:cs typeface="Times New Roman" panose="02020603050405020304" pitchFamily="18" charset="0"/>
+            </a:endParaRPr>
+          </a:p>
+          <a:p>
+            <a:pPr marL="0" indent="0">
+              <a:buNone/>
+            </a:pPr>
+            <a:r>
+              <a:rPr lang="zh-CN" altLang="en-US" sz="1800" dirty="0">
+                <a:effectLst/>
+                <a:latin typeface="Calibri" panose="020F0502020204030204" pitchFamily="34" charset="0"/>
+                <a:ea typeface="宋体" panose="02010600030101010101" pitchFamily="2" charset="-122"/>
+                <a:cs typeface="Times New Roman" panose="02020603050405020304" pitchFamily="18" charset="0"/>
+              </a:rPr>
+              <a:t>（</a:t>
+            </a:r>
+            <a:r>
+              <a:rPr lang="en-US" altLang="zh-CN" sz="1800" dirty="0">
+                <a:effectLst/>
+                <a:latin typeface="Calibri" panose="020F0502020204030204" pitchFamily="34" charset="0"/>
+                <a:ea typeface="宋体" panose="02010600030101010101" pitchFamily="2" charset="-122"/>
+                <a:cs typeface="Times New Roman" panose="02020603050405020304" pitchFamily="18" charset="0"/>
+              </a:rPr>
+              <a:t>1</a:t>
+            </a:r>
+            <a:r>
+              <a:rPr lang="zh-CN" altLang="en-US" sz="1800" dirty="0">
+                <a:effectLst/>
+                <a:latin typeface="Calibri" panose="020F0502020204030204" pitchFamily="34" charset="0"/>
+                <a:ea typeface="宋体" panose="02010600030101010101" pitchFamily="2" charset="-122"/>
+                <a:cs typeface="Times New Roman" panose="02020603050405020304" pitchFamily="18" charset="0"/>
+              </a:rPr>
+              <a:t>）论文需要评审的次数大于评审的数量，所有评审一起来都不够（</a:t>
+            </a:r>
+            <a:r>
+              <a:rPr lang="en-US" altLang="zh-CN" sz="1800" dirty="0">
+                <a:effectLst/>
+                <a:latin typeface="Calibri" panose="020F0502020204030204" pitchFamily="34" charset="0"/>
+                <a:ea typeface="宋体" panose="02010600030101010101" pitchFamily="2" charset="-122"/>
+                <a:cs typeface="Times New Roman" panose="02020603050405020304" pitchFamily="18" charset="0"/>
+              </a:rPr>
+              <a:t>a &gt; n</a:t>
+            </a:r>
+            <a:r>
+              <a:rPr lang="zh-CN" altLang="en-US" sz="1800" dirty="0">
+                <a:effectLst/>
+                <a:latin typeface="Calibri" panose="020F0502020204030204" pitchFamily="34" charset="0"/>
+                <a:ea typeface="宋体" panose="02010600030101010101" pitchFamily="2" charset="-122"/>
+                <a:cs typeface="Times New Roman" panose="02020603050405020304" pitchFamily="18" charset="0"/>
+              </a:rPr>
+              <a:t>）</a:t>
+            </a:r>
+            <a:endParaRPr lang="en-US" altLang="zh-CN" sz="1800" dirty="0">
+              <a:effectLst/>
+              <a:latin typeface="Calibri" panose="020F0502020204030204" pitchFamily="34" charset="0"/>
+              <a:ea typeface="宋体" panose="02010600030101010101" pitchFamily="2" charset="-122"/>
+              <a:cs typeface="Times New Roman" panose="02020603050405020304" pitchFamily="18" charset="0"/>
+            </a:endParaRPr>
+          </a:p>
+          <a:p>
+            <a:pPr marL="0" indent="0">
+              <a:buNone/>
+            </a:pPr>
+            <a:r>
+              <a:rPr lang="zh-CN" altLang="en-US" sz="1800" dirty="0">
+                <a:effectLst/>
+                <a:latin typeface="Calibri" panose="020F0502020204030204" pitchFamily="34" charset="0"/>
+                <a:ea typeface="宋体" panose="02010600030101010101" pitchFamily="2" charset="-122"/>
+                <a:cs typeface="Times New Roman" panose="02020603050405020304" pitchFamily="18" charset="0"/>
+              </a:rPr>
+              <a:t>（</a:t>
+            </a:r>
+            <a:r>
+              <a:rPr lang="en-US" altLang="zh-CN" sz="1800" dirty="0">
+                <a:effectLst/>
+                <a:latin typeface="Calibri" panose="020F0502020204030204" pitchFamily="34" charset="0"/>
+                <a:ea typeface="宋体" panose="02010600030101010101" pitchFamily="2" charset="-122"/>
+                <a:cs typeface="Times New Roman" panose="02020603050405020304" pitchFamily="18" charset="0"/>
+              </a:rPr>
+              <a:t>2</a:t>
+            </a:r>
+            <a:r>
+              <a:rPr lang="zh-CN" altLang="en-US" sz="1800" dirty="0">
+                <a:effectLst/>
+                <a:latin typeface="Calibri" panose="020F0502020204030204" pitchFamily="34" charset="0"/>
+                <a:ea typeface="宋体" panose="02010600030101010101" pitchFamily="2" charset="-122"/>
+                <a:cs typeface="Times New Roman" panose="02020603050405020304" pitchFamily="18" charset="0"/>
+              </a:rPr>
+              <a:t>）</a:t>
+            </a:r>
+            <a:r>
+              <a:rPr lang="zh-CN" altLang="en-US" sz="1800" dirty="0">
+                <a:latin typeface="Calibri" panose="020F0502020204030204" pitchFamily="34" charset="0"/>
+                <a:ea typeface="宋体" panose="02010600030101010101" pitchFamily="2" charset="-122"/>
+                <a:cs typeface="Times New Roman" panose="02020603050405020304" pitchFamily="18" charset="0"/>
+              </a:rPr>
+              <a:t>达成（</a:t>
+            </a:r>
+            <a:r>
+              <a:rPr lang="en-US" altLang="zh-CN" sz="1800" dirty="0">
+                <a:latin typeface="Calibri" panose="020F0502020204030204" pitchFamily="34" charset="0"/>
+                <a:ea typeface="宋体" panose="02010600030101010101" pitchFamily="2" charset="-122"/>
+                <a:cs typeface="Times New Roman" panose="02020603050405020304" pitchFamily="18" charset="0"/>
+              </a:rPr>
+              <a:t>1</a:t>
+            </a:r>
+            <a:r>
+              <a:rPr lang="zh-CN" altLang="en-US" sz="1800" dirty="0">
+                <a:latin typeface="Calibri" panose="020F0502020204030204" pitchFamily="34" charset="0"/>
+                <a:ea typeface="宋体" panose="02010600030101010101" pitchFamily="2" charset="-122"/>
+                <a:cs typeface="Times New Roman" panose="02020603050405020304" pitchFamily="18" charset="0"/>
+              </a:rPr>
+              <a:t>），但是总次数不足以评审所有人（</a:t>
+            </a:r>
+            <a:r>
+              <a:rPr lang="en-US" altLang="zh-CN" sz="1800" dirty="0" err="1">
+                <a:latin typeface="Calibri" panose="020F0502020204030204" pitchFamily="34" charset="0"/>
+                <a:ea typeface="宋体" panose="02010600030101010101" pitchFamily="2" charset="-122"/>
+                <a:cs typeface="Times New Roman" panose="02020603050405020304" pitchFamily="18" charset="0"/>
+              </a:rPr>
+              <a:t>mn</a:t>
+            </a:r>
+            <a:r>
+              <a:rPr lang="en-US" altLang="zh-CN" sz="1800" dirty="0">
+                <a:latin typeface="Calibri" panose="020F0502020204030204" pitchFamily="34" charset="0"/>
+                <a:ea typeface="宋体" panose="02010600030101010101" pitchFamily="2" charset="-122"/>
+                <a:cs typeface="Times New Roman" panose="02020603050405020304" pitchFamily="18" charset="0"/>
+              </a:rPr>
+              <a:t> &gt; ab</a:t>
+            </a:r>
+            <a:r>
+              <a:rPr lang="zh-CN" altLang="en-US" sz="1800" dirty="0">
+                <a:latin typeface="Calibri" panose="020F0502020204030204" pitchFamily="34" charset="0"/>
+                <a:ea typeface="宋体" panose="02010600030101010101" pitchFamily="2" charset="-122"/>
+                <a:cs typeface="Times New Roman" panose="02020603050405020304" pitchFamily="18" charset="0"/>
+              </a:rPr>
+              <a:t>）</a:t>
+            </a:r>
+            <a:endParaRPr lang="en-US" altLang="zh-CN" sz="1800" dirty="0">
+              <a:latin typeface="Calibri" panose="020F0502020204030204" pitchFamily="34" charset="0"/>
+              <a:ea typeface="宋体" panose="02010600030101010101" pitchFamily="2" charset="-122"/>
+              <a:cs typeface="Times New Roman" panose="02020603050405020304" pitchFamily="18" charset="0"/>
+            </a:endParaRPr>
+          </a:p>
+          <a:p>
+            <a:pPr marL="0" indent="0">
+              <a:buNone/>
+            </a:pPr>
+            <a:endParaRPr lang="en-US" altLang="zh-CN" sz="1800" dirty="0">
+              <a:effectLst/>
+              <a:latin typeface="Calibri" panose="020F0502020204030204" pitchFamily="34" charset="0"/>
+              <a:ea typeface="宋体" panose="02010600030101010101" pitchFamily="2" charset="-122"/>
+              <a:cs typeface="Times New Roman" panose="02020603050405020304" pitchFamily="18" charset="0"/>
+            </a:endParaRPr>
+          </a:p>
+          <a:p>
+            <a:pPr marL="0" indent="0">
+              <a:buNone/>
+            </a:pPr>
+            <a:r>
+              <a:rPr lang="zh-CN" altLang="en-US" sz="1800" dirty="0">
+                <a:effectLst/>
+                <a:latin typeface="Calibri" panose="020F0502020204030204" pitchFamily="34" charset="0"/>
+                <a:ea typeface="宋体" panose="02010600030101010101" pitchFamily="2" charset="-122"/>
+                <a:cs typeface="Times New Roman" panose="02020603050405020304" pitchFamily="18" charset="0"/>
+              </a:rPr>
+              <a:t>如果没有出现上述两种情况（</a:t>
+            </a:r>
+            <a:r>
+              <a:rPr lang="en-US" altLang="zh-CN" sz="1800" dirty="0">
+                <a:effectLst/>
+                <a:latin typeface="Calibri" panose="020F0502020204030204" pitchFamily="34" charset="0"/>
+                <a:ea typeface="宋体" panose="02010600030101010101" pitchFamily="2" charset="-122"/>
+                <a:cs typeface="Times New Roman" panose="02020603050405020304" pitchFamily="18" charset="0"/>
+              </a:rPr>
+              <a:t>n &gt; a</a:t>
+            </a:r>
+            <a:r>
+              <a:rPr lang="zh-CN" altLang="en-US" sz="1800" dirty="0">
+                <a:effectLst/>
+                <a:latin typeface="Calibri" panose="020F0502020204030204" pitchFamily="34" charset="0"/>
+                <a:ea typeface="宋体" panose="02010600030101010101" pitchFamily="2" charset="-122"/>
+                <a:cs typeface="Times New Roman" panose="02020603050405020304" pitchFamily="18" charset="0"/>
+              </a:rPr>
+              <a:t>且</a:t>
+            </a:r>
+            <a:r>
+              <a:rPr lang="en-US" altLang="zh-CN" sz="1800" dirty="0" err="1">
+                <a:effectLst/>
+                <a:latin typeface="Calibri" panose="020F0502020204030204" pitchFamily="34" charset="0"/>
+                <a:ea typeface="宋体" panose="02010600030101010101" pitchFamily="2" charset="-122"/>
+                <a:cs typeface="Times New Roman" panose="02020603050405020304" pitchFamily="18" charset="0"/>
+              </a:rPr>
+              <a:t>mn</a:t>
+            </a:r>
+            <a:r>
+              <a:rPr lang="en-US" altLang="zh-CN" sz="1800" dirty="0">
+                <a:effectLst/>
+                <a:latin typeface="Calibri" panose="020F0502020204030204" pitchFamily="34" charset="0"/>
+                <a:ea typeface="宋体" panose="02010600030101010101" pitchFamily="2" charset="-122"/>
+                <a:cs typeface="Times New Roman" panose="02020603050405020304" pitchFamily="18" charset="0"/>
+              </a:rPr>
+              <a:t> &lt; ab</a:t>
+            </a:r>
+            <a:r>
+              <a:rPr lang="zh-CN" altLang="en-US" sz="1800" dirty="0">
+                <a:effectLst/>
+                <a:latin typeface="Calibri" panose="020F0502020204030204" pitchFamily="34" charset="0"/>
+                <a:ea typeface="宋体" panose="02010600030101010101" pitchFamily="2" charset="-122"/>
+                <a:cs typeface="Times New Roman" panose="02020603050405020304" pitchFamily="18" charset="0"/>
+              </a:rPr>
+              <a:t>），那么一定存在可行的匹配方案</a:t>
+            </a:r>
+            <a:endParaRPr lang="en-US" altLang="zh-CN" sz="1800" dirty="0">
+              <a:effectLst/>
+              <a:latin typeface="Calibri" panose="020F0502020204030204" pitchFamily="34" charset="0"/>
+              <a:ea typeface="宋体" panose="02010600030101010101" pitchFamily="2" charset="-122"/>
+              <a:cs typeface="Times New Roman" panose="02020603050405020304" pitchFamily="18" charset="0"/>
+            </a:endParaRPr>
           </a:p>
         </p:txBody>
       </p:sp>
@@ -4132,7 +4517,7 @@
           <p:cNvPr id="2" name="标题 1">
             <a:extLst>
               <a:ext uri="{FF2B5EF4-FFF2-40B4-BE49-F238E27FC236}">
-                <a16:creationId xmlns:a16="http://schemas.microsoft.com/office/drawing/2014/main" id="{8294B8E4-2CE9-40C3-B63F-81D730E40141}"/>
+                <a16:creationId xmlns:a16="http://schemas.microsoft.com/office/drawing/2014/main" id="{B6385363-6A81-A5F3-50F7-9AF70A66C2FD}"/>
               </a:ext>
             </a:extLst>
           </p:cNvPr>
@@ -4141,163 +4526,129 @@
           </p:cNvSpPr>
           <p:nvPr>
             <p:ph type="title"/>
+          </p:nvPr>
+        </p:nvSpPr>
+        <p:spPr>
+          <a:xfrm flipV="1">
+            <a:off x="838200" y="82061"/>
+            <a:ext cx="10515600" cy="283063"/>
+          </a:xfrm>
+        </p:spPr>
+        <p:txBody>
+          <a:bodyPr>
+            <a:normAutofit fontScale="90000"/>
+          </a:bodyPr>
+          <a:lstStyle/>
+          <a:p>
+            <a:endParaRPr lang="zh-CN" altLang="en-US" dirty="0"/>
+          </a:p>
+        </p:txBody>
+      </p:sp>
+      <p:sp>
+        <p:nvSpPr>
+          <p:cNvPr id="6" name="内容占位符 5">
+            <a:extLst>
+              <a:ext uri="{FF2B5EF4-FFF2-40B4-BE49-F238E27FC236}">
+                <a16:creationId xmlns:a16="http://schemas.microsoft.com/office/drawing/2014/main" id="{EF0CC7D9-699B-6933-03D5-B7102B287422}"/>
+              </a:ext>
+            </a:extLst>
+          </p:cNvPr>
+          <p:cNvSpPr>
+            <a:spLocks noGrp="1"/>
+          </p:cNvSpPr>
+          <p:nvPr>
+            <p:ph idx="1"/>
           </p:nvPr>
         </p:nvSpPr>
         <p:spPr>
           <a:xfrm>
-            <a:off x="838200" y="365125"/>
-            <a:ext cx="10515600" cy="966525"/>
+            <a:off x="838200" y="365124"/>
+            <a:ext cx="10515600" cy="5654249"/>
           </a:xfrm>
         </p:spPr>
         <p:txBody>
-          <a:bodyPr>
-            <a:normAutofit/>
-          </a:bodyPr>
-          <a:lstStyle/>
-          <a:p>
-            <a:r>
-              <a:rPr lang="zh-CN" altLang="en-US" sz="2800" b="1" dirty="0"/>
-              <a:t>基准法分析</a:t>
-            </a:r>
-          </a:p>
-        </p:txBody>
-      </p:sp>
-      <p:sp>
-        <p:nvSpPr>
-          <p:cNvPr id="5" name="内容占位符 4">
-            <a:extLst>
-              <a:ext uri="{FF2B5EF4-FFF2-40B4-BE49-F238E27FC236}">
-                <a16:creationId xmlns:a16="http://schemas.microsoft.com/office/drawing/2014/main" id="{6BDA3635-F443-4533-B7EE-305C3E78A8F8}"/>
-              </a:ext>
-            </a:extLst>
-          </p:cNvPr>
-          <p:cNvSpPr>
-            <a:spLocks noGrp="1"/>
-          </p:cNvSpPr>
-          <p:nvPr>
-            <p:ph idx="1"/>
-          </p:nvPr>
-        </p:nvSpPr>
-        <p:spPr/>
-        <p:txBody>
-          <a:bodyPr>
-            <a:normAutofit/>
-          </a:bodyPr>
-          <a:lstStyle/>
-          <a:p>
-            <a:r>
-              <a:rPr lang="zh-CN" altLang="en-US" sz="1600" dirty="0"/>
-              <a:t>伪代码：</a:t>
-            </a:r>
-            <a:endParaRPr lang="en-US" altLang="zh-CN" sz="1600" dirty="0"/>
-          </a:p>
-          <a:p>
-            <a:r>
-              <a:rPr lang="en-US" altLang="zh-CN" sz="1600" dirty="0"/>
-              <a:t>Standard(graph):</a:t>
-            </a:r>
-            <a:br>
-              <a:rPr lang="en-US" altLang="zh-CN" sz="1600" dirty="0"/>
-            </a:br>
-            <a:r>
-              <a:rPr lang="en-US" altLang="zh-CN" sz="1600" dirty="0"/>
-              <a:t>    for each line in graph:</a:t>
-            </a:r>
-            <a:br>
-              <a:rPr lang="en-US" altLang="zh-CN" sz="1600" dirty="0"/>
-            </a:br>
-            <a:r>
-              <a:rPr lang="en-US" altLang="zh-CN" sz="1600" dirty="0"/>
-              <a:t>        remove line;</a:t>
-            </a:r>
-            <a:br>
-              <a:rPr lang="en-US" altLang="zh-CN" sz="1600" dirty="0"/>
-            </a:br>
-            <a:r>
-              <a:rPr lang="en-US" altLang="zh-CN" sz="1600" dirty="0"/>
-              <a:t>        if(</a:t>
-            </a:r>
-            <a:r>
-              <a:rPr lang="en-US" altLang="zh-CN" sz="1600" dirty="0" err="1"/>
-              <a:t>dfs</a:t>
-            </a:r>
-            <a:r>
-              <a:rPr lang="en-US" altLang="zh-CN" sz="1600" dirty="0"/>
-              <a:t>(</a:t>
-            </a:r>
-            <a:r>
-              <a:rPr lang="en-US" altLang="zh-CN" sz="1600" dirty="0" err="1"/>
-              <a:t>line.left,line.right</a:t>
-            </a:r>
-            <a:r>
-              <a:rPr lang="en-US" altLang="zh-CN" sz="1600" dirty="0"/>
-              <a:t>)){</a:t>
-            </a:r>
-            <a:br>
-              <a:rPr lang="en-US" altLang="zh-CN" sz="1600" dirty="0"/>
-            </a:br>
-            <a:r>
-              <a:rPr lang="en-US" altLang="zh-CN" sz="1600" dirty="0"/>
-              <a:t>            </a:t>
-            </a:r>
-            <a:r>
-              <a:rPr lang="en-US" altLang="zh-CN" sz="1600" dirty="0" err="1"/>
-              <a:t>bridgeSet.add</a:t>
-            </a:r>
-            <a:r>
-              <a:rPr lang="en-US" altLang="zh-CN" sz="1600" dirty="0"/>
-              <a:t>(line);</a:t>
-            </a:r>
-          </a:p>
-          <a:p>
-            <a:r>
-              <a:rPr lang="en-US" altLang="zh-CN" sz="1600" dirty="0"/>
-              <a:t>        };</a:t>
-            </a:r>
-            <a:br>
-              <a:rPr lang="en-US" altLang="zh-CN" sz="1600" dirty="0"/>
-            </a:br>
-            <a:r>
-              <a:rPr lang="en-US" altLang="zh-CN" sz="1600" dirty="0"/>
-              <a:t>    end;</a:t>
-            </a:r>
-            <a:br>
-              <a:rPr lang="en-US" altLang="zh-CN" sz="1600" dirty="0"/>
-            </a:br>
-            <a:r>
-              <a:rPr lang="en-US" altLang="zh-CN" sz="1600" dirty="0"/>
-              <a:t>end;</a:t>
-            </a:r>
-            <a:br>
-              <a:rPr lang="en-US" altLang="zh-CN" sz="1600" dirty="0"/>
-            </a:br>
-            <a:br>
-              <a:rPr lang="en-US" altLang="zh-CN" sz="1600" dirty="0"/>
-            </a:br>
-            <a:r>
-              <a:rPr lang="zh-CN" altLang="en-US" sz="1600" dirty="0"/>
-              <a:t>实验表明，基准法时间复杂度渐近于</a:t>
-            </a:r>
-            <a:r>
-              <a:rPr lang="en-US" altLang="zh-CN" sz="1600" dirty="0"/>
-              <a:t>O(n^2)</a:t>
-            </a:r>
-            <a:br>
-              <a:rPr lang="en-US" altLang="zh-CN" sz="1600" dirty="0"/>
-            </a:br>
-            <a:r>
-              <a:rPr lang="en-US" altLang="zh-CN" sz="1600" dirty="0"/>
-              <a:t>        </a:t>
-            </a:r>
+          <a:bodyPr/>
+          <a:lstStyle/>
+          <a:p>
+            <a:r>
+              <a:rPr lang="zh-CN" altLang="en-US" sz="1800" dirty="0"/>
+              <a:t>根据上述的条件，当存在可行解时，可以通过图对问题进行抽象</a:t>
+            </a:r>
+            <a:endParaRPr lang="en-US" altLang="zh-CN" sz="1800" dirty="0"/>
+          </a:p>
+          <a:p>
+            <a:r>
+              <a:rPr lang="zh-CN" altLang="en-US" sz="1800" dirty="0"/>
+              <a:t>出发点到评委的容量为</a:t>
+            </a:r>
+            <a:r>
+              <a:rPr lang="en-US" altLang="zh-CN" sz="1800" dirty="0"/>
+              <a:t>b(</a:t>
+            </a:r>
+            <a:r>
+              <a:rPr lang="zh-CN" altLang="en-US" sz="1800" dirty="0"/>
+              <a:t>评委可以评审的论文数量</a:t>
+            </a:r>
+            <a:r>
+              <a:rPr lang="en-US" altLang="zh-CN" sz="1800" dirty="0"/>
+              <a:t>)</a:t>
+            </a:r>
+          </a:p>
+          <a:p>
+            <a:r>
+              <a:rPr lang="zh-CN" altLang="en-US" sz="1800" dirty="0"/>
+              <a:t>评委到论文的容量为</a:t>
+            </a:r>
+            <a:r>
+              <a:rPr lang="en-US" altLang="zh-CN" sz="1800" dirty="0"/>
+              <a:t>1</a:t>
+            </a:r>
+            <a:r>
+              <a:rPr lang="zh-CN" altLang="en-US" sz="1800" dirty="0"/>
+              <a:t>（一位评委只能评审同一篇论文一次）</a:t>
+            </a:r>
+            <a:endParaRPr lang="en-US" altLang="zh-CN" sz="1800" dirty="0"/>
+          </a:p>
+          <a:p>
+            <a:r>
+              <a:rPr lang="zh-CN" altLang="en-US" sz="1800" dirty="0"/>
+              <a:t>论文到终点的容量为</a:t>
+            </a:r>
+            <a:r>
+              <a:rPr lang="en-US" altLang="zh-CN" sz="1800" dirty="0"/>
+              <a:t>a(</a:t>
+            </a:r>
+            <a:r>
+              <a:rPr lang="zh-CN" altLang="en-US" sz="1800" dirty="0"/>
+              <a:t>一共需要评审</a:t>
+            </a:r>
+            <a:r>
+              <a:rPr lang="en-US" altLang="zh-CN" sz="1800" dirty="0"/>
+              <a:t>a</a:t>
+            </a:r>
+            <a:r>
+              <a:rPr lang="zh-CN" altLang="en-US" sz="1800" dirty="0"/>
+              <a:t>次</a:t>
+            </a:r>
+            <a:r>
+              <a:rPr lang="en-US" altLang="zh-CN" sz="1800" dirty="0"/>
+              <a:t>)</a:t>
+            </a:r>
+          </a:p>
+          <a:p>
+            <a:endParaRPr lang="en-US" altLang="zh-CN" dirty="0"/>
+          </a:p>
+          <a:p>
+            <a:endParaRPr lang="zh-CN" altLang="en-US" dirty="0"/>
           </a:p>
         </p:txBody>
       </p:sp>
       <p:pic>
         <p:nvPicPr>
-          <p:cNvPr id="4" name="图片 3">
-            <a:extLst>
-              <a:ext uri="{FF2B5EF4-FFF2-40B4-BE49-F238E27FC236}">
-                <a16:creationId xmlns:a16="http://schemas.microsoft.com/office/drawing/2014/main" id="{55A11A75-3C3C-4448-AAE9-53E749C208C8}"/>
+          <p:cNvPr id="7" name="内容占位符 3">
+            <a:extLst>
+              <a:ext uri="{FF2B5EF4-FFF2-40B4-BE49-F238E27FC236}">
+                <a16:creationId xmlns:a16="http://schemas.microsoft.com/office/drawing/2014/main" id="{5CDC578A-FD72-C4C4-30ED-59E1A907FFE3}"/>
               </a:ext>
             </a:extLst>
           </p:cNvPr>
@@ -4314,8 +4665,8 @@
         </p:blipFill>
         <p:spPr>
           <a:xfrm>
-            <a:off x="5816217" y="1825625"/>
-            <a:ext cx="5197319" cy="4090248"/>
+            <a:off x="1523999" y="2004646"/>
+            <a:ext cx="8720384" cy="4593738"/>
           </a:xfrm>
           <a:prstGeom prst="rect">
             <a:avLst/>
@@ -4325,7 +4676,7 @@
     </p:spTree>
     <p:extLst>
       <p:ext uri="{BB962C8B-B14F-4D97-AF65-F5344CB8AC3E}">
-        <p14:creationId xmlns:p14="http://schemas.microsoft.com/office/powerpoint/2010/main" val="2100574268"/>
+        <p14:creationId xmlns:p14="http://schemas.microsoft.com/office/powerpoint/2010/main" val="1238603595"/>
       </p:ext>
     </p:extLst>
   </p:cSld>
@@ -4357,7 +4708,7 @@
           <p:cNvPr id="2" name="标题 1">
             <a:extLst>
               <a:ext uri="{FF2B5EF4-FFF2-40B4-BE49-F238E27FC236}">
-                <a16:creationId xmlns:a16="http://schemas.microsoft.com/office/drawing/2014/main" id="{E210CEB0-277B-4773-8151-C79C0A1F16FE}"/>
+                <a16:creationId xmlns:a16="http://schemas.microsoft.com/office/drawing/2014/main" id="{4C9DC2E2-236B-DE48-E097-B47C0A6E522B}"/>
               </a:ext>
             </a:extLst>
           </p:cNvPr>
@@ -4366,12 +4717,42 @@
           </p:cNvSpPr>
           <p:nvPr>
             <p:ph type="title"/>
+          </p:nvPr>
+        </p:nvSpPr>
+        <p:spPr>
+          <a:xfrm flipV="1">
+            <a:off x="838200" y="-691662"/>
+            <a:ext cx="10515600" cy="1056787"/>
+          </a:xfrm>
+        </p:spPr>
+        <p:txBody>
+          <a:bodyPr/>
+          <a:lstStyle/>
+          <a:p>
+            <a:endParaRPr lang="zh-CN" altLang="en-US" dirty="0"/>
+          </a:p>
+        </p:txBody>
+      </p:sp>
+      <p:sp>
+        <p:nvSpPr>
+          <p:cNvPr id="3" name="内容占位符 2">
+            <a:extLst>
+              <a:ext uri="{FF2B5EF4-FFF2-40B4-BE49-F238E27FC236}">
+                <a16:creationId xmlns:a16="http://schemas.microsoft.com/office/drawing/2014/main" id="{2FC77804-DBD6-7B26-57B3-DCFF27C4AB47}"/>
+              </a:ext>
+            </a:extLst>
+          </p:cNvPr>
+          <p:cNvSpPr>
+            <a:spLocks noGrp="1"/>
+          </p:cNvSpPr>
+          <p:nvPr>
+            <p:ph idx="1"/>
           </p:nvPr>
         </p:nvSpPr>
         <p:spPr>
           <a:xfrm>
-            <a:off x="838200" y="365126"/>
-            <a:ext cx="10515600" cy="939892"/>
+            <a:off x="838200" y="365125"/>
+            <a:ext cx="10515600" cy="5811838"/>
           </a:xfrm>
         </p:spPr>
         <p:txBody>
@@ -4381,159 +4762,83 @@
           <a:lstStyle/>
           <a:p>
             <a:r>
-              <a:rPr lang="zh-CN" altLang="en-US" sz="2400" dirty="0"/>
-              <a:t>对基准法的反思</a:t>
-            </a:r>
-          </a:p>
-        </p:txBody>
-      </p:sp>
-      <p:sp>
-        <p:nvSpPr>
-          <p:cNvPr id="3" name="内容占位符 2">
-            <a:extLst>
-              <a:ext uri="{FF2B5EF4-FFF2-40B4-BE49-F238E27FC236}">
-                <a16:creationId xmlns:a16="http://schemas.microsoft.com/office/drawing/2014/main" id="{10D9F5C7-A495-449E-B3B5-AE6ECA31C5FB}"/>
-              </a:ext>
-            </a:extLst>
-          </p:cNvPr>
-          <p:cNvSpPr>
-            <a:spLocks noGrp="1"/>
-          </p:cNvSpPr>
-          <p:nvPr>
-            <p:ph idx="1"/>
-          </p:nvPr>
-        </p:nvSpPr>
+              <a:rPr lang="zh-CN" altLang="en-US" sz="1800" dirty="0"/>
+              <a:t>前文中满足解的条件，在图中的意义为：</a:t>
+            </a:r>
+            <a:endParaRPr lang="en-US" altLang="zh-CN" sz="1800" dirty="0"/>
+          </a:p>
+          <a:p>
+            <a:pPr marL="0" indent="0">
+              <a:buNone/>
+            </a:pPr>
+            <a:r>
+              <a:rPr lang="en-US" altLang="zh-CN" sz="1800" dirty="0"/>
+              <a:t>     </a:t>
+            </a:r>
+            <a:r>
+              <a:rPr lang="zh-CN" altLang="en-US" sz="1800" dirty="0"/>
+              <a:t>出发点→评委的流量 </a:t>
+            </a:r>
+            <a:r>
+              <a:rPr lang="en-US" altLang="zh-CN" sz="1800" dirty="0"/>
+              <a:t>&gt; </a:t>
+            </a:r>
+            <a:r>
+              <a:rPr lang="zh-CN" altLang="en-US" sz="1800" dirty="0"/>
+              <a:t>评委→论文的流量 </a:t>
+            </a:r>
+            <a:r>
+              <a:rPr lang="en-US" altLang="zh-CN" sz="1800" dirty="0"/>
+              <a:t>&gt; </a:t>
+            </a:r>
+            <a:r>
+              <a:rPr lang="zh-CN" altLang="en-US" sz="1800" dirty="0"/>
+              <a:t>论文→终点的流量</a:t>
+            </a:r>
+            <a:endParaRPr lang="en-US" altLang="zh-CN" sz="1800" dirty="0"/>
+          </a:p>
+          <a:p>
+            <a:r>
+              <a:rPr lang="zh-CN" altLang="en-US" sz="1800" dirty="0"/>
+              <a:t>若满足存在可行解的条件，所以当图的流量达到最大时（论文→终点的总流量最小，所以最大流即为用完论文层到终点的流量）从而得到了一个满足条件的匹配方案</a:t>
+            </a:r>
+          </a:p>
+        </p:txBody>
+      </p:sp>
+      <p:pic>
+        <p:nvPicPr>
+          <p:cNvPr id="4" name="内容占位符 3">
+            <a:extLst>
+              <a:ext uri="{FF2B5EF4-FFF2-40B4-BE49-F238E27FC236}">
+                <a16:creationId xmlns:a16="http://schemas.microsoft.com/office/drawing/2014/main" id="{ABD2AC68-779E-1613-14BA-05A117D59C40}"/>
+              </a:ext>
+            </a:extLst>
+          </p:cNvPr>
+          <p:cNvPicPr>
+            <a:picLocks noChangeAspect="1"/>
+          </p:cNvPicPr>
+          <p:nvPr/>
+        </p:nvPicPr>
+        <p:blipFill>
+          <a:blip r:embed="rId2"/>
+          <a:stretch>
+            <a:fillRect/>
+          </a:stretch>
+        </p:blipFill>
         <p:spPr>
           <a:xfrm>
-            <a:off x="838200" y="1171852"/>
-            <a:ext cx="10515600" cy="5005111"/>
+            <a:off x="2485293" y="1852052"/>
+            <a:ext cx="7970106" cy="4430418"/>
           </a:xfrm>
+          <a:prstGeom prst="rect">
+            <a:avLst/>
+          </a:prstGeom>
         </p:spPr>
-        <p:txBody>
-          <a:bodyPr>
-            <a:normAutofit/>
-          </a:bodyPr>
-          <a:lstStyle/>
-          <a:p>
-            <a:r>
-              <a:rPr lang="zh-CN" altLang="en-US" sz="1600" dirty="0"/>
-              <a:t>基准法下，时间复杂度为</a:t>
-            </a:r>
-            <a:r>
-              <a:rPr lang="en-US" altLang="zh-CN" sz="1600" dirty="0"/>
-              <a:t>O</a:t>
-            </a:r>
-            <a:r>
-              <a:rPr lang="zh-CN" altLang="en-US" sz="1600" dirty="0"/>
-              <a:t>（</a:t>
-            </a:r>
-            <a:r>
-              <a:rPr lang="en-US" altLang="zh-CN" sz="1600" dirty="0"/>
-              <a:t>e*n</a:t>
-            </a:r>
-            <a:r>
-              <a:rPr lang="zh-CN" altLang="en-US" sz="1600" dirty="0"/>
-              <a:t>），如果可以降低</a:t>
-            </a:r>
-            <a:r>
-              <a:rPr lang="en-US" altLang="zh-CN" sz="1600" dirty="0"/>
-              <a:t>e</a:t>
-            </a:r>
-            <a:r>
-              <a:rPr lang="zh-CN" altLang="en-US" sz="1600" dirty="0"/>
-              <a:t>和</a:t>
-            </a:r>
-            <a:r>
-              <a:rPr lang="en-US" altLang="zh-CN" sz="1600" dirty="0"/>
-              <a:t>n</a:t>
-            </a:r>
-            <a:r>
-              <a:rPr lang="zh-CN" altLang="en-US" sz="1600" dirty="0"/>
-              <a:t>的规模，就可以降低整体运行时间</a:t>
-            </a:r>
-            <a:endParaRPr lang="en-US" altLang="zh-CN" sz="1600" dirty="0"/>
-          </a:p>
-          <a:p>
-            <a:endParaRPr lang="en-US" altLang="zh-CN" sz="1600" dirty="0"/>
-          </a:p>
-          <a:p>
-            <a:r>
-              <a:rPr lang="zh-CN" altLang="en-US" sz="1600" dirty="0"/>
-              <a:t>由此得到两个优化的方向：</a:t>
-            </a:r>
-            <a:endParaRPr lang="en-US" altLang="zh-CN" sz="1600" dirty="0"/>
-          </a:p>
-          <a:p>
-            <a:r>
-              <a:rPr lang="zh-CN" altLang="en-US" sz="1600" dirty="0"/>
-              <a:t>（</a:t>
-            </a:r>
-            <a:r>
-              <a:rPr lang="en-US" altLang="zh-CN" sz="1600" dirty="0"/>
-              <a:t>1</a:t>
-            </a:r>
-            <a:r>
-              <a:rPr lang="zh-CN" altLang="en-US" sz="1600" dirty="0"/>
-              <a:t>）减少搜索次数（剪枝）</a:t>
-            </a:r>
-            <a:endParaRPr lang="en-US" altLang="zh-CN" sz="1600" dirty="0"/>
-          </a:p>
-          <a:p>
-            <a:r>
-              <a:rPr lang="zh-CN" altLang="en-US" sz="1600" dirty="0"/>
-              <a:t>（</a:t>
-            </a:r>
-            <a:r>
-              <a:rPr lang="en-US" altLang="zh-CN" sz="1600" dirty="0"/>
-              <a:t>2</a:t>
-            </a:r>
-            <a:r>
-              <a:rPr lang="zh-CN" altLang="en-US" sz="1600" dirty="0"/>
-              <a:t>）降低递归深度，不走重复的路</a:t>
-            </a:r>
-            <a:endParaRPr lang="en-US" altLang="zh-CN" sz="1600" dirty="0"/>
-          </a:p>
-          <a:p>
-            <a:pPr marL="0" indent="0">
-              <a:buNone/>
-            </a:pPr>
-            <a:endParaRPr lang="en-US" altLang="zh-CN" sz="1600" dirty="0"/>
-          </a:p>
-          <a:p>
-            <a:r>
-              <a:rPr lang="zh-CN" altLang="en-US" sz="1600" dirty="0"/>
-              <a:t>可以证明，如果某条边是桥，那么他一定位于这个连通分量的最小生成树上</a:t>
-            </a:r>
-            <a:endParaRPr lang="en-US" altLang="zh-CN" sz="1600" dirty="0"/>
-          </a:p>
-          <a:p>
-            <a:r>
-              <a:rPr lang="zh-CN" altLang="en-US" sz="1600" dirty="0"/>
-              <a:t>最小生成树的性质，不在树上的边一定会和其他边组成环</a:t>
-            </a:r>
-            <a:endParaRPr lang="en-US" altLang="zh-CN" sz="1600" dirty="0"/>
-          </a:p>
-          <a:p>
-            <a:r>
-              <a:rPr lang="zh-CN" altLang="en-US" sz="1600" dirty="0"/>
-              <a:t>由此我们可以通过逆向思维：我们不需要主动找桥，因为定义一条边是一座桥</a:t>
-            </a:r>
-            <a:r>
-              <a:rPr lang="zh-CN" altLang="en-US" sz="1600" b="1" dirty="0"/>
-              <a:t>当且仅当这条边不在任何环上</a:t>
-            </a:r>
-            <a:r>
-              <a:rPr lang="zh-CN" altLang="en-US" sz="1600" dirty="0"/>
-              <a:t>，只要我们把环边找出来，然后剩下的不是环边的边，就是桥了</a:t>
-            </a:r>
-            <a:endParaRPr lang="en-US" altLang="zh-CN" sz="1600" dirty="0"/>
-          </a:p>
-        </p:txBody>
-      </p:sp>
+      </p:pic>
     </p:spTree>
     <p:extLst>
       <p:ext uri="{BB962C8B-B14F-4D97-AF65-F5344CB8AC3E}">
-        <p14:creationId xmlns:p14="http://schemas.microsoft.com/office/powerpoint/2010/main" val="1445311539"/>
+        <p14:creationId xmlns:p14="http://schemas.microsoft.com/office/powerpoint/2010/main" val="468232580"/>
       </p:ext>
     </p:extLst>
   </p:cSld>
@@ -4565,7 +4870,7 @@
           <p:cNvPr id="2" name="标题 1">
             <a:extLst>
               <a:ext uri="{FF2B5EF4-FFF2-40B4-BE49-F238E27FC236}">
-                <a16:creationId xmlns:a16="http://schemas.microsoft.com/office/drawing/2014/main" id="{4DB7D08D-BE8E-4A56-85CE-F80885DDCD6F}"/>
+                <a16:creationId xmlns:a16="http://schemas.microsoft.com/office/drawing/2014/main" id="{C0934DD0-4F6D-12A9-6356-CA43983564AF}"/>
               </a:ext>
             </a:extLst>
           </p:cNvPr>
@@ -4578,8 +4883,8 @@
         </p:nvSpPr>
         <p:spPr>
           <a:xfrm flipV="1">
-            <a:off x="838200" y="292964"/>
-            <a:ext cx="10515600" cy="72162"/>
+            <a:off x="838200" y="-281354"/>
+            <a:ext cx="10515600" cy="646479"/>
           </a:xfrm>
         </p:spPr>
         <p:txBody>
@@ -4597,7 +4902,7 @@
           <p:cNvPr id="3" name="内容占位符 2">
             <a:extLst>
               <a:ext uri="{FF2B5EF4-FFF2-40B4-BE49-F238E27FC236}">
-                <a16:creationId xmlns:a16="http://schemas.microsoft.com/office/drawing/2014/main" id="{77DF6E2D-E0E4-4F9F-AC60-14ADD22C0969}"/>
+                <a16:creationId xmlns:a16="http://schemas.microsoft.com/office/drawing/2014/main" id="{8E783240-591B-2AE3-873E-C2A2AAB3C43E}"/>
               </a:ext>
             </a:extLst>
           </p:cNvPr>
@@ -4610,27 +4915,44 @@
         </p:nvSpPr>
         <p:spPr>
           <a:xfrm>
-            <a:off x="838200" y="639192"/>
-            <a:ext cx="10515600" cy="5537771"/>
+            <a:off x="838200" y="365125"/>
+            <a:ext cx="10515600" cy="5811838"/>
           </a:xfrm>
         </p:spPr>
         <p:txBody>
-          <a:bodyPr/>
-          <a:lstStyle/>
-          <a:p>
-            <a:r>
-              <a:rPr lang="zh-CN" altLang="en-US" dirty="0"/>
-              <a:t>生成树</a:t>
+          <a:bodyPr>
+            <a:normAutofit/>
+          </a:bodyPr>
+          <a:lstStyle/>
+          <a:p>
+            <a:r>
+              <a:rPr lang="zh-CN" altLang="en-US" sz="1800" dirty="0"/>
+              <a:t>接下来探讨求解最大流的办法：</a:t>
+            </a:r>
+            <a:endParaRPr lang="en-US" altLang="zh-CN" sz="1800" dirty="0"/>
+          </a:p>
+          <a:p>
+            <a:r>
+              <a:rPr lang="zh-CN" altLang="en-US" sz="1800" dirty="0"/>
+              <a:t>先从暴力求解说起：暴力求解通过</a:t>
+            </a:r>
+            <a:r>
+              <a:rPr lang="en-US" altLang="zh-CN" sz="1800" dirty="0" err="1"/>
+              <a:t>dfs</a:t>
+            </a:r>
+            <a:r>
+              <a:rPr lang="zh-CN" altLang="en-US" sz="1800" dirty="0"/>
+              <a:t>来求最大值，从出发点开始通过可行道路来到终点，且该道路的流量为路径中最小值（短板）</a:t>
             </a:r>
           </a:p>
         </p:txBody>
       </p:sp>
       <p:pic>
         <p:nvPicPr>
-          <p:cNvPr id="7" name="图片 6">
-            <a:extLst>
-              <a:ext uri="{FF2B5EF4-FFF2-40B4-BE49-F238E27FC236}">
-                <a16:creationId xmlns:a16="http://schemas.microsoft.com/office/drawing/2014/main" id="{EA1D8D69-1DDC-4DFC-B294-20293CE48D18}"/>
+          <p:cNvPr id="5" name="图片 4">
+            <a:extLst>
+              <a:ext uri="{FF2B5EF4-FFF2-40B4-BE49-F238E27FC236}">
+                <a16:creationId xmlns:a16="http://schemas.microsoft.com/office/drawing/2014/main" id="{AA3328D8-E878-A149-9385-43964E860720}"/>
               </a:ext>
             </a:extLst>
           </p:cNvPr>
@@ -4640,21 +4962,45 @@
           <p:nvPr/>
         </p:nvPicPr>
         <p:blipFill>
-          <a:blip r:embed="rId2">
-            <a:extLst>
-              <a:ext uri="{28A0092B-C50C-407E-A947-70E740481C1C}">
-                <a14:useLocalDpi xmlns:a14="http://schemas.microsoft.com/office/drawing/2010/main" val="0"/>
-              </a:ext>
-            </a:extLst>
-          </a:blip>
+          <a:blip r:embed="rId2"/>
           <a:stretch>
             <a:fillRect/>
           </a:stretch>
         </p:blipFill>
         <p:spPr>
           <a:xfrm>
-            <a:off x="838200" y="1657379"/>
-            <a:ext cx="4191646" cy="4907657"/>
+            <a:off x="838200" y="2364032"/>
+            <a:ext cx="2190017" cy="3291826"/>
+          </a:xfrm>
+          <a:prstGeom prst="rect">
+            <a:avLst/>
+          </a:prstGeom>
+        </p:spPr>
+      </p:pic>
+      <p:pic>
+        <p:nvPicPr>
+          <p:cNvPr id="7" name="图片 6">
+            <a:extLst>
+              <a:ext uri="{FF2B5EF4-FFF2-40B4-BE49-F238E27FC236}">
+                <a16:creationId xmlns:a16="http://schemas.microsoft.com/office/drawing/2014/main" id="{100661B5-2D27-D9CE-4AD2-55C48574B908}"/>
+              </a:ext>
+            </a:extLst>
+          </p:cNvPr>
+          <p:cNvPicPr>
+            <a:picLocks noChangeAspect="1"/>
+          </p:cNvPicPr>
+          <p:nvPr/>
+        </p:nvPicPr>
+        <p:blipFill>
+          <a:blip r:embed="rId3"/>
+          <a:stretch>
+            <a:fillRect/>
+          </a:stretch>
+        </p:blipFill>
+        <p:spPr>
+          <a:xfrm>
+            <a:off x="2589504" y="2430874"/>
+            <a:ext cx="2190017" cy="3134612"/>
           </a:xfrm>
           <a:prstGeom prst="rect">
             <a:avLst/>
@@ -4666,7 +5012,7 @@
           <p:cNvPr id="9" name="图片 8">
             <a:extLst>
               <a:ext uri="{FF2B5EF4-FFF2-40B4-BE49-F238E27FC236}">
-                <a16:creationId xmlns:a16="http://schemas.microsoft.com/office/drawing/2014/main" id="{B9301887-1AA7-49B9-8CEC-74078480D9BE}"/>
+                <a16:creationId xmlns:a16="http://schemas.microsoft.com/office/drawing/2014/main" id="{A606AD3B-4119-EE72-78FD-A2B242FC0350}"/>
               </a:ext>
             </a:extLst>
           </p:cNvPr>
@@ -4676,21 +5022,75 @@
           <p:nvPr/>
         </p:nvPicPr>
         <p:blipFill>
-          <a:blip r:embed="rId3">
-            <a:extLst>
-              <a:ext uri="{28A0092B-C50C-407E-A947-70E740481C1C}">
-                <a14:useLocalDpi xmlns:a14="http://schemas.microsoft.com/office/drawing/2010/main" val="0"/>
-              </a:ext>
-            </a:extLst>
-          </a:blip>
+          <a:blip r:embed="rId4"/>
           <a:stretch>
             <a:fillRect/>
           </a:stretch>
         </p:blipFill>
         <p:spPr>
           <a:xfrm>
-            <a:off x="5988604" y="1657378"/>
-            <a:ext cx="3828342" cy="4561429"/>
+            <a:off x="4774342" y="2364643"/>
+            <a:ext cx="2043269" cy="3104549"/>
+          </a:xfrm>
+          <a:prstGeom prst="rect">
+            <a:avLst/>
+          </a:prstGeom>
+        </p:spPr>
+      </p:pic>
+      <p:pic>
+        <p:nvPicPr>
+          <p:cNvPr id="11" name="图片 10">
+            <a:extLst>
+              <a:ext uri="{FF2B5EF4-FFF2-40B4-BE49-F238E27FC236}">
+                <a16:creationId xmlns:a16="http://schemas.microsoft.com/office/drawing/2014/main" id="{AA623944-3396-1329-677A-8A1A5209B099}"/>
+              </a:ext>
+            </a:extLst>
+          </p:cNvPr>
+          <p:cNvPicPr>
+            <a:picLocks noChangeAspect="1"/>
+          </p:cNvPicPr>
+          <p:nvPr/>
+        </p:nvPicPr>
+        <p:blipFill>
+          <a:blip r:embed="rId5"/>
+          <a:stretch>
+            <a:fillRect/>
+          </a:stretch>
+        </p:blipFill>
+        <p:spPr>
+          <a:xfrm>
+            <a:off x="6644824" y="2447010"/>
+            <a:ext cx="2988013" cy="2866171"/>
+          </a:xfrm>
+          <a:prstGeom prst="rect">
+            <a:avLst/>
+          </a:prstGeom>
+        </p:spPr>
+      </p:pic>
+      <p:pic>
+        <p:nvPicPr>
+          <p:cNvPr id="13" name="图片 12">
+            <a:extLst>
+              <a:ext uri="{FF2B5EF4-FFF2-40B4-BE49-F238E27FC236}">
+                <a16:creationId xmlns:a16="http://schemas.microsoft.com/office/drawing/2014/main" id="{F13DEE01-7C5D-6D53-AF99-1EAD6F2FE7BD}"/>
+              </a:ext>
+            </a:extLst>
+          </p:cNvPr>
+          <p:cNvPicPr>
+            <a:picLocks noChangeAspect="1"/>
+          </p:cNvPicPr>
+          <p:nvPr/>
+        </p:nvPicPr>
+        <p:blipFill>
+          <a:blip r:embed="rId6"/>
+          <a:stretch>
+            <a:fillRect/>
+          </a:stretch>
+        </p:blipFill>
+        <p:spPr>
+          <a:xfrm>
+            <a:off x="8682914" y="2430874"/>
+            <a:ext cx="3142782" cy="2866170"/>
           </a:xfrm>
           <a:prstGeom prst="rect">
             <a:avLst/>
@@ -4700,7 +5100,7 @@
     </p:spTree>
     <p:extLst>
       <p:ext uri="{BB962C8B-B14F-4D97-AF65-F5344CB8AC3E}">
-        <p14:creationId xmlns:p14="http://schemas.microsoft.com/office/powerpoint/2010/main" val="1105542174"/>
+        <p14:creationId xmlns:p14="http://schemas.microsoft.com/office/powerpoint/2010/main" val="863571205"/>
       </p:ext>
     </p:extLst>
   </p:cSld>
@@ -4732,7 +5132,7 @@
           <p:cNvPr id="2" name="标题 1">
             <a:extLst>
               <a:ext uri="{FF2B5EF4-FFF2-40B4-BE49-F238E27FC236}">
-                <a16:creationId xmlns:a16="http://schemas.microsoft.com/office/drawing/2014/main" id="{1F38276B-3DF3-4D6E-848F-3245A8B633DB}"/>
+                <a16:creationId xmlns:a16="http://schemas.microsoft.com/office/drawing/2014/main" id="{081199B0-E3A2-018B-C0CA-8A93DBEF408C}"/>
               </a:ext>
             </a:extLst>
           </p:cNvPr>
@@ -4741,12 +5141,44 @@
           </p:cNvSpPr>
           <p:nvPr>
             <p:ph type="title"/>
+          </p:nvPr>
+        </p:nvSpPr>
+        <p:spPr>
+          <a:xfrm flipV="1">
+            <a:off x="838200" y="117232"/>
+            <a:ext cx="10515600" cy="247894"/>
+          </a:xfrm>
+        </p:spPr>
+        <p:txBody>
+          <a:bodyPr>
+            <a:normAutofit fontScale="90000"/>
+          </a:bodyPr>
+          <a:lstStyle/>
+          <a:p>
+            <a:endParaRPr lang="zh-CN" altLang="en-US" dirty="0"/>
+          </a:p>
+        </p:txBody>
+      </p:sp>
+      <p:sp>
+        <p:nvSpPr>
+          <p:cNvPr id="3" name="内容占位符 2">
+            <a:extLst>
+              <a:ext uri="{FF2B5EF4-FFF2-40B4-BE49-F238E27FC236}">
+                <a16:creationId xmlns:a16="http://schemas.microsoft.com/office/drawing/2014/main" id="{59D53C5B-E4B3-865C-0ECA-4B357634DDA3}"/>
+              </a:ext>
+            </a:extLst>
+          </p:cNvPr>
+          <p:cNvSpPr>
+            <a:spLocks noGrp="1"/>
+          </p:cNvSpPr>
+          <p:nvPr>
+            <p:ph idx="1"/>
           </p:nvPr>
         </p:nvSpPr>
         <p:spPr>
           <a:xfrm>
-            <a:off x="838200" y="365125"/>
-            <a:ext cx="10515600" cy="922137"/>
+            <a:off x="838200" y="574431"/>
+            <a:ext cx="10515600" cy="5602532"/>
           </a:xfrm>
         </p:spPr>
         <p:txBody>
@@ -4756,149 +5188,87 @@
           <a:lstStyle/>
           <a:p>
             <a:r>
-              <a:rPr lang="zh-CN" altLang="en-US" sz="2800" dirty="0"/>
-              <a:t>伪代码（通过</a:t>
-            </a:r>
-            <a:r>
-              <a:rPr lang="en-US" altLang="zh-CN" sz="2800" dirty="0"/>
-              <a:t>DFS</a:t>
-            </a:r>
-            <a:r>
-              <a:rPr lang="zh-CN" altLang="en-US" sz="2800" dirty="0"/>
-              <a:t>建立最小生成树）：</a:t>
-            </a:r>
-          </a:p>
-        </p:txBody>
-      </p:sp>
-      <p:sp>
-        <p:nvSpPr>
-          <p:cNvPr id="3" name="内容占位符 2">
-            <a:extLst>
-              <a:ext uri="{FF2B5EF4-FFF2-40B4-BE49-F238E27FC236}">
-                <a16:creationId xmlns:a16="http://schemas.microsoft.com/office/drawing/2014/main" id="{67B32EC0-C70E-4388-9D65-F677CE4650C7}"/>
-              </a:ext>
-            </a:extLst>
-          </p:cNvPr>
-          <p:cNvSpPr>
-            <a:spLocks noGrp="1"/>
-          </p:cNvSpPr>
-          <p:nvPr>
-            <p:ph idx="1"/>
-          </p:nvPr>
-        </p:nvSpPr>
+              <a:rPr lang="zh-CN" altLang="en-US" sz="1800" dirty="0"/>
+              <a:t>但在极端情况下，该算法效率很低，且在</a:t>
+            </a:r>
+            <a:r>
+              <a:rPr lang="en-US" altLang="zh-CN" sz="1800" dirty="0" err="1"/>
+              <a:t>dfs</a:t>
+            </a:r>
+            <a:r>
+              <a:rPr lang="zh-CN" altLang="en-US" sz="1800" dirty="0"/>
+              <a:t>情况下无法避免</a:t>
+            </a:r>
+            <a:endParaRPr lang="en-US" altLang="zh-CN" sz="1800" dirty="0"/>
+          </a:p>
+          <a:p>
+            <a:r>
+              <a:rPr lang="zh-CN" altLang="en-US" sz="1800" dirty="0"/>
+              <a:t>但可以对算法进行优化：</a:t>
+            </a:r>
+            <a:endParaRPr lang="en-US" altLang="zh-CN" sz="1800" dirty="0"/>
+          </a:p>
+          <a:p>
+            <a:r>
+              <a:rPr lang="en-US" altLang="zh-CN" sz="1800" dirty="0"/>
+              <a:t>DINIC</a:t>
+            </a:r>
+            <a:r>
+              <a:rPr lang="zh-CN" altLang="en-US" sz="1800" dirty="0"/>
+              <a:t>因为路径的选择方式不会影响最终结果，所以可以通过降低路径长度来提高算法效率</a:t>
+            </a:r>
+            <a:endParaRPr lang="en-US" altLang="zh-CN" sz="1800" dirty="0"/>
+          </a:p>
+          <a:p>
+            <a:r>
+              <a:rPr lang="zh-CN" altLang="en-US" sz="1800" dirty="0"/>
+              <a:t>从源节点开始通过</a:t>
+            </a:r>
+            <a:r>
+              <a:rPr lang="en-US" altLang="zh-CN" sz="1800" dirty="0"/>
+              <a:t>BFS</a:t>
+            </a:r>
+            <a:r>
+              <a:rPr lang="zh-CN" altLang="en-US" sz="1800" dirty="0"/>
+              <a:t>对节点进行分层，每次前行的时候都是尽可能前往更高层的节点，这种情况下保证每一次“前行”都是靠近终点</a:t>
+            </a:r>
+          </a:p>
+        </p:txBody>
+      </p:sp>
+      <p:pic>
+        <p:nvPicPr>
+          <p:cNvPr id="5" name="图片 4">
+            <a:extLst>
+              <a:ext uri="{FF2B5EF4-FFF2-40B4-BE49-F238E27FC236}">
+                <a16:creationId xmlns:a16="http://schemas.microsoft.com/office/drawing/2014/main" id="{26879F80-B304-95CE-9320-F71B8D6C8B22}"/>
+              </a:ext>
+            </a:extLst>
+          </p:cNvPr>
+          <p:cNvPicPr>
+            <a:picLocks noChangeAspect="1"/>
+          </p:cNvPicPr>
+          <p:nvPr/>
+        </p:nvPicPr>
+        <p:blipFill>
+          <a:blip r:embed="rId2"/>
+          <a:stretch>
+            <a:fillRect/>
+          </a:stretch>
+        </p:blipFill>
         <p:spPr>
           <a:xfrm>
-            <a:off x="838200" y="1287262"/>
-            <a:ext cx="10515600" cy="4889701"/>
+            <a:off x="1346870" y="2485291"/>
+            <a:ext cx="2542261" cy="3432053"/>
           </a:xfrm>
+          <a:prstGeom prst="rect">
+            <a:avLst/>
+          </a:prstGeom>
         </p:spPr>
-        <p:txBody>
-          <a:bodyPr>
-            <a:normAutofit/>
-          </a:bodyPr>
-          <a:lstStyle/>
-          <a:p>
-            <a:r>
-              <a:rPr lang="en-US" altLang="zh-CN" sz="1600" dirty="0" err="1"/>
-              <a:t>dfs</a:t>
-            </a:r>
-            <a:r>
-              <a:rPr lang="en-US" altLang="zh-CN" sz="1600" dirty="0"/>
-              <a:t>(point x):</a:t>
-            </a:r>
-          </a:p>
-          <a:p>
-            <a:r>
-              <a:rPr lang="en-US" altLang="zh-CN" sz="1600" dirty="0"/>
-              <a:t>    if </a:t>
-            </a:r>
-            <a:r>
-              <a:rPr lang="en-US" altLang="zh-CN" sz="1600" dirty="0" err="1"/>
-              <a:t>x.visited</a:t>
-            </a:r>
-            <a:r>
-              <a:rPr lang="en-US" altLang="zh-CN" sz="1600" dirty="0"/>
-              <a:t> :</a:t>
-            </a:r>
-          </a:p>
-          <a:p>
-            <a:r>
-              <a:rPr lang="en-US" altLang="zh-CN" sz="1600" dirty="0"/>
-              <a:t>        return;</a:t>
-            </a:r>
-          </a:p>
-          <a:p>
-            <a:r>
-              <a:rPr lang="en-US" altLang="zh-CN" sz="1600" dirty="0"/>
-              <a:t>    else:</a:t>
-            </a:r>
-          </a:p>
-          <a:p>
-            <a:r>
-              <a:rPr lang="en-US" altLang="zh-CN" sz="1600" dirty="0"/>
-              <a:t>        for each p near x:</a:t>
-            </a:r>
-          </a:p>
-          <a:p>
-            <a:r>
-              <a:rPr lang="en-US" altLang="zh-CN" sz="1600" dirty="0"/>
-              <a:t>            </a:t>
-            </a:r>
-            <a:r>
-              <a:rPr lang="en-US" altLang="zh-CN" sz="1600" dirty="0" err="1"/>
-              <a:t>p.visited</a:t>
-            </a:r>
-            <a:r>
-              <a:rPr lang="en-US" altLang="zh-CN" sz="1600" dirty="0"/>
-              <a:t> = true;</a:t>
-            </a:r>
-          </a:p>
-          <a:p>
-            <a:r>
-              <a:rPr lang="en-US" altLang="zh-CN" sz="1600" dirty="0"/>
-              <a:t>            </a:t>
-            </a:r>
-            <a:r>
-              <a:rPr lang="en-US" altLang="zh-CN" sz="1600" dirty="0" err="1"/>
-              <a:t>p.father</a:t>
-            </a:r>
-            <a:r>
-              <a:rPr lang="en-US" altLang="zh-CN" sz="1600" dirty="0"/>
-              <a:t> = x;</a:t>
-            </a:r>
-          </a:p>
-          <a:p>
-            <a:r>
-              <a:rPr lang="en-US" altLang="zh-CN" sz="1600" dirty="0"/>
-              <a:t>            </a:t>
-            </a:r>
-            <a:r>
-              <a:rPr lang="en-US" altLang="zh-CN" sz="1600" dirty="0" err="1"/>
-              <a:t>dfs</a:t>
-            </a:r>
-            <a:r>
-              <a:rPr lang="en-US" altLang="zh-CN" sz="1600" dirty="0"/>
-              <a:t>(p);</a:t>
-            </a:r>
-          </a:p>
-          <a:p>
-            <a:r>
-              <a:rPr lang="en-US" altLang="zh-CN" sz="1600" dirty="0"/>
-              <a:t>        end</a:t>
-            </a:r>
-          </a:p>
-          <a:p>
-            <a:r>
-              <a:rPr lang="en-US" altLang="zh-CN" sz="1600" dirty="0"/>
-              <a:t>    return;</a:t>
-            </a:r>
-          </a:p>
-        </p:txBody>
-      </p:sp>
+      </p:pic>
     </p:spTree>
     <p:extLst>
       <p:ext uri="{BB962C8B-B14F-4D97-AF65-F5344CB8AC3E}">
-        <p14:creationId xmlns:p14="http://schemas.microsoft.com/office/powerpoint/2010/main" val="2203427617"/>
+        <p14:creationId xmlns:p14="http://schemas.microsoft.com/office/powerpoint/2010/main" val="2404272286"/>
       </p:ext>
     </p:extLst>
   </p:cSld>
@@ -4930,7 +5300,7 @@
           <p:cNvPr id="2" name="标题 1">
             <a:extLst>
               <a:ext uri="{FF2B5EF4-FFF2-40B4-BE49-F238E27FC236}">
-                <a16:creationId xmlns:a16="http://schemas.microsoft.com/office/drawing/2014/main" id="{6689C8D3-FC63-4C55-9C87-E1CD3FA322B8}"/>
+                <a16:creationId xmlns:a16="http://schemas.microsoft.com/office/drawing/2014/main" id="{8A714398-7D5B-0D8C-C1D0-69C3E51FC304}"/>
               </a:ext>
             </a:extLst>
           </p:cNvPr>
@@ -4942,8 +5312,8 @@
           </p:nvPr>
         </p:nvSpPr>
         <p:spPr>
-          <a:xfrm flipV="1">
-            <a:off x="838200" y="319406"/>
+          <a:xfrm>
+            <a:off x="838200" y="365125"/>
             <a:ext cx="10515600" cy="45719"/>
           </a:xfrm>
         </p:spPr>
@@ -4962,7 +5332,7 @@
           <p:cNvPr id="3" name="内容占位符 2">
             <a:extLst>
               <a:ext uri="{FF2B5EF4-FFF2-40B4-BE49-F238E27FC236}">
-                <a16:creationId xmlns:a16="http://schemas.microsoft.com/office/drawing/2014/main" id="{CAC3619D-55E9-4C41-8949-BCA78DFB860B}"/>
+                <a16:creationId xmlns:a16="http://schemas.microsoft.com/office/drawing/2014/main" id="{A86E71CD-9B50-17FC-77F1-A336371A38D1}"/>
               </a:ext>
             </a:extLst>
           </p:cNvPr>
@@ -4975,8 +5345,8 @@
         </p:nvSpPr>
         <p:spPr>
           <a:xfrm>
-            <a:off x="838200" y="612559"/>
-            <a:ext cx="10515600" cy="5564404"/>
+            <a:off x="838200" y="633046"/>
+            <a:ext cx="10515600" cy="5543917"/>
           </a:xfrm>
         </p:spPr>
         <p:txBody>
@@ -4986,78 +5356,48 @@
           <a:lstStyle/>
           <a:p>
             <a:r>
-              <a:rPr lang="zh-CN" altLang="en-US" sz="1600" dirty="0"/>
-              <a:t>优化方向</a:t>
-            </a:r>
-            <a:r>
-              <a:rPr lang="en-US" altLang="zh-CN" sz="1600" dirty="0"/>
-              <a:t>2:</a:t>
-            </a:r>
-            <a:r>
-              <a:rPr lang="zh-CN" altLang="en-US" sz="1600" dirty="0"/>
-              <a:t>路径压缩</a:t>
-            </a:r>
-            <a:endParaRPr lang="en-US" altLang="zh-CN" sz="1600" dirty="0"/>
-          </a:p>
-          <a:p>
-            <a:r>
-              <a:rPr lang="zh-CN" altLang="en-US" sz="1600" dirty="0"/>
-              <a:t>由最小生成树的性质可以知道，树上任意两个节点之间有且仅有一条路，因此不必重复标记路径</a:t>
-            </a:r>
-            <a:endParaRPr lang="en-US" altLang="zh-CN" sz="1600" dirty="0"/>
-          </a:p>
-          <a:p>
-            <a:r>
-              <a:rPr lang="zh-CN" altLang="en-US" sz="1600" dirty="0"/>
-              <a:t>当一个环检查过之后，可以将环上的所有点与他们的公共祖先节点相连，那么下一次遍历时就可以直接得知他们的祖先节点，不必重复遍历。</a:t>
-            </a:r>
-            <a:endParaRPr lang="en-US" altLang="zh-CN" sz="1600" dirty="0"/>
-          </a:p>
-          <a:p>
-            <a:r>
-              <a:rPr lang="zh-CN" altLang="en-US" sz="1600" dirty="0"/>
-              <a:t>通过路径压缩，可以将</a:t>
-            </a:r>
-            <a:r>
-              <a:rPr lang="en-US" altLang="zh-CN" sz="1600" dirty="0"/>
-              <a:t>O(n)</a:t>
-            </a:r>
-            <a:r>
-              <a:rPr lang="zh-CN" altLang="en-US" sz="1600" dirty="0"/>
-              <a:t>的</a:t>
-            </a:r>
-            <a:r>
-              <a:rPr lang="en-US" altLang="zh-CN" sz="1600" dirty="0" err="1"/>
-              <a:t>dfs</a:t>
-            </a:r>
-            <a:r>
-              <a:rPr lang="zh-CN" altLang="en-US" sz="1600" dirty="0"/>
-              <a:t>递归深度减少至</a:t>
-            </a:r>
-            <a:r>
-              <a:rPr lang="en-US" altLang="zh-CN" sz="1600" dirty="0"/>
-              <a:t>O(1)</a:t>
-            </a:r>
-            <a:r>
-              <a:rPr lang="zh-CN" altLang="en-US" sz="1600" dirty="0"/>
-              <a:t>，一次查询即可得到结果</a:t>
-            </a:r>
-            <a:endParaRPr lang="en-US" altLang="zh-CN" sz="1600" dirty="0"/>
-          </a:p>
-          <a:p>
-            <a:r>
-              <a:rPr lang="zh-CN" altLang="en-US" sz="1600" dirty="0"/>
-              <a:t>实际上是“查询”祖先之后，通过合并把子节点全部“合并”到公共祖先上</a:t>
+              <a:rPr lang="zh-CN" altLang="en-US" sz="1800" dirty="0"/>
+              <a:t>多路增广（余流）</a:t>
+            </a:r>
+            <a:endParaRPr lang="en-US" altLang="zh-CN" sz="1800" dirty="0"/>
+          </a:p>
+          <a:p>
+            <a:r>
+              <a:rPr lang="zh-CN" altLang="en-US" sz="1800" dirty="0"/>
+              <a:t>在</a:t>
+            </a:r>
+            <a:r>
+              <a:rPr lang="en-US" altLang="zh-CN" sz="1800" dirty="0"/>
+              <a:t>DFS</a:t>
+            </a:r>
+            <a:r>
+              <a:rPr lang="zh-CN" altLang="en-US" sz="1800" dirty="0"/>
+              <a:t>的过程中，寻找到一条增广路径之后，就会回到出发点重新开始寻找，实际上但是该路径其他流量并没有用完，重新寻找会导致走重复的路。</a:t>
+            </a:r>
+            <a:endParaRPr lang="en-US" altLang="zh-CN" sz="1800" dirty="0"/>
+          </a:p>
+          <a:p>
+            <a:r>
+              <a:rPr lang="zh-CN" altLang="en-US" sz="1800" dirty="0"/>
+              <a:t>因此遍历到一个增广路径之后，只返回到上一父亲节点，再向下寻找增广路径。从而一次</a:t>
+            </a:r>
+            <a:r>
+              <a:rPr lang="en-US" altLang="zh-CN" sz="1800" dirty="0"/>
+              <a:t>DFS</a:t>
+            </a:r>
+            <a:r>
+              <a:rPr lang="zh-CN" altLang="en-US" sz="1800" dirty="0"/>
+              <a:t>就可以找出下面所有的增广路径。</a:t>
             </a:r>
           </a:p>
         </p:txBody>
       </p:sp>
       <p:pic>
         <p:nvPicPr>
-          <p:cNvPr id="6" name="图片 5">
-            <a:extLst>
-              <a:ext uri="{FF2B5EF4-FFF2-40B4-BE49-F238E27FC236}">
-                <a16:creationId xmlns:a16="http://schemas.microsoft.com/office/drawing/2014/main" id="{A47EE38D-F858-4DC8-BCCA-30208C3FC33F}"/>
+          <p:cNvPr id="5" name="图片 4">
+            <a:extLst>
+              <a:ext uri="{FF2B5EF4-FFF2-40B4-BE49-F238E27FC236}">
+                <a16:creationId xmlns:a16="http://schemas.microsoft.com/office/drawing/2014/main" id="{B2D83F3D-5D5B-66BA-ECE8-3CBB37CCE4E0}"/>
               </a:ext>
             </a:extLst>
           </p:cNvPr>
@@ -5067,21 +5407,15 @@
           <p:nvPr/>
         </p:nvPicPr>
         <p:blipFill>
-          <a:blip r:embed="rId2">
-            <a:extLst>
-              <a:ext uri="{28A0092B-C50C-407E-A947-70E740481C1C}">
-                <a14:useLocalDpi xmlns:a14="http://schemas.microsoft.com/office/drawing/2010/main" val="0"/>
-              </a:ext>
-            </a:extLst>
-          </a:blip>
+          <a:blip r:embed="rId2"/>
           <a:stretch>
             <a:fillRect/>
           </a:stretch>
         </p:blipFill>
         <p:spPr>
           <a:xfrm>
-            <a:off x="838201" y="2621023"/>
-            <a:ext cx="6684950" cy="3803374"/>
+            <a:off x="1031631" y="2836456"/>
+            <a:ext cx="2978760" cy="3340507"/>
           </a:xfrm>
           <a:prstGeom prst="rect">
             <a:avLst/>
@@ -5093,7 +5427,7 @@
           <p:cNvPr id="7" name="图片 6">
             <a:extLst>
               <a:ext uri="{FF2B5EF4-FFF2-40B4-BE49-F238E27FC236}">
-                <a16:creationId xmlns:a16="http://schemas.microsoft.com/office/drawing/2014/main" id="{7316B5BA-5B2D-47FE-9A9C-F78CF5F71E6B}"/>
+                <a16:creationId xmlns:a16="http://schemas.microsoft.com/office/drawing/2014/main" id="{43BA1FDB-675E-CFA7-9D61-85208612C91E}"/>
               </a:ext>
             </a:extLst>
           </p:cNvPr>
@@ -5110,8 +5444,38 @@
         </p:blipFill>
         <p:spPr>
           <a:xfrm>
-            <a:off x="7523151" y="2617289"/>
-            <a:ext cx="4210126" cy="3683391"/>
+            <a:off x="4925432" y="2836456"/>
+            <a:ext cx="2341136" cy="3475211"/>
+          </a:xfrm>
+          <a:prstGeom prst="rect">
+            <a:avLst/>
+          </a:prstGeom>
+        </p:spPr>
+      </p:pic>
+      <p:pic>
+        <p:nvPicPr>
+          <p:cNvPr id="9" name="图片 8">
+            <a:extLst>
+              <a:ext uri="{FF2B5EF4-FFF2-40B4-BE49-F238E27FC236}">
+                <a16:creationId xmlns:a16="http://schemas.microsoft.com/office/drawing/2014/main" id="{3F4186FC-94F9-FEE2-CAC4-D0E39244E1A5}"/>
+              </a:ext>
+            </a:extLst>
+          </p:cNvPr>
+          <p:cNvPicPr>
+            <a:picLocks noChangeAspect="1"/>
+          </p:cNvPicPr>
+          <p:nvPr/>
+        </p:nvPicPr>
+        <p:blipFill>
+          <a:blip r:embed="rId4"/>
+          <a:stretch>
+            <a:fillRect/>
+          </a:stretch>
+        </p:blipFill>
+        <p:spPr>
+          <a:xfrm>
+            <a:off x="8854521" y="2836456"/>
+            <a:ext cx="2305848" cy="3578631"/>
           </a:xfrm>
           <a:prstGeom prst="rect">
             <a:avLst/>
@@ -5121,7 +5485,7 @@
     </p:spTree>
     <p:extLst>
       <p:ext uri="{BB962C8B-B14F-4D97-AF65-F5344CB8AC3E}">
-        <p14:creationId xmlns:p14="http://schemas.microsoft.com/office/powerpoint/2010/main" val="3094741464"/>
+        <p14:creationId xmlns:p14="http://schemas.microsoft.com/office/powerpoint/2010/main" val="3613171418"/>
       </p:ext>
     </p:extLst>
   </p:cSld>
@@ -5153,7 +5517,7 @@
           <p:cNvPr id="2" name="标题 1">
             <a:extLst>
               <a:ext uri="{FF2B5EF4-FFF2-40B4-BE49-F238E27FC236}">
-                <a16:creationId xmlns:a16="http://schemas.microsoft.com/office/drawing/2014/main" id="{BA52FF1A-FE1C-4DEF-97F2-33EA1ABE3A24}"/>
+                <a16:creationId xmlns:a16="http://schemas.microsoft.com/office/drawing/2014/main" id="{2E1EC0CF-100B-334C-65AF-3BD969690452}"/>
               </a:ext>
             </a:extLst>
           </p:cNvPr>
@@ -5164,71 +5528,21 @@
             <p:ph type="title"/>
           </p:nvPr>
         </p:nvSpPr>
-        <p:spPr>
-          <a:xfrm>
-            <a:off x="838200" y="365125"/>
-            <a:ext cx="10515600" cy="61003"/>
-          </a:xfrm>
-        </p:spPr>
-        <p:txBody>
-          <a:bodyPr>
-            <a:normAutofit fontScale="90000"/>
-          </a:bodyPr>
-          <a:lstStyle/>
-          <a:p>
-            <a:endParaRPr lang="zh-CN" altLang="en-US" dirty="0"/>
-          </a:p>
-        </p:txBody>
-      </p:sp>
-      <p:sp>
-        <p:nvSpPr>
-          <p:cNvPr id="3" name="内容占位符 2">
-            <a:extLst>
-              <a:ext uri="{FF2B5EF4-FFF2-40B4-BE49-F238E27FC236}">
-                <a16:creationId xmlns:a16="http://schemas.microsoft.com/office/drawing/2014/main" id="{542AB6EF-7C9A-4AFE-B35B-C851F3E3AA2E}"/>
-              </a:ext>
-            </a:extLst>
-          </p:cNvPr>
-          <p:cNvSpPr>
-            <a:spLocks noGrp="1"/>
-          </p:cNvSpPr>
-          <p:nvPr>
-            <p:ph idx="1"/>
-          </p:nvPr>
-        </p:nvSpPr>
-        <p:spPr>
-          <a:xfrm>
-            <a:off x="838200" y="523783"/>
-            <a:ext cx="10515600" cy="5653180"/>
-          </a:xfrm>
-        </p:spPr>
-        <p:txBody>
-          <a:bodyPr>
-            <a:normAutofit/>
-          </a:bodyPr>
-          <a:lstStyle/>
-          <a:p>
-            <a:r>
-              <a:rPr lang="zh-CN" altLang="en-US" sz="1600" dirty="0"/>
-              <a:t>最小生成树</a:t>
-            </a:r>
-            <a:r>
-              <a:rPr lang="en-US" altLang="zh-CN" sz="1600" dirty="0"/>
-              <a:t>+</a:t>
-            </a:r>
-            <a:r>
-              <a:rPr lang="zh-CN" altLang="en-US" sz="1600" dirty="0"/>
-              <a:t>并查集：结合两种方法的优势，先求出最小生成树，然后在求解环边的过程中通过路径压缩降低递归深度</a:t>
-            </a:r>
+        <p:spPr/>
+        <p:txBody>
+          <a:bodyPr/>
+          <a:lstStyle/>
+          <a:p>
+            <a:endParaRPr lang="zh-CN" altLang="en-US"/>
           </a:p>
         </p:txBody>
       </p:sp>
       <p:pic>
         <p:nvPicPr>
-          <p:cNvPr id="4" name="图片 3">
-            <a:extLst>
-              <a:ext uri="{FF2B5EF4-FFF2-40B4-BE49-F238E27FC236}">
-                <a16:creationId xmlns:a16="http://schemas.microsoft.com/office/drawing/2014/main" id="{E54CAD6C-143B-4C2A-8D9F-3686A6F7E8C4}"/>
+          <p:cNvPr id="7" name="图片 6">
+            <a:extLst>
+              <a:ext uri="{FF2B5EF4-FFF2-40B4-BE49-F238E27FC236}">
+                <a16:creationId xmlns:a16="http://schemas.microsoft.com/office/drawing/2014/main" id="{F442D5D2-1EE2-8A19-4934-7E1A80227810}"/>
               </a:ext>
             </a:extLst>
           </p:cNvPr>
@@ -5238,31 +5552,50 @@
           <p:nvPr/>
         </p:nvPicPr>
         <p:blipFill>
-          <a:blip r:embed="rId2">
-            <a:extLst>
-              <a:ext uri="{28A0092B-C50C-407E-A947-70E740481C1C}">
-                <a14:useLocalDpi xmlns:a14="http://schemas.microsoft.com/office/drawing/2010/main" val="0"/>
-              </a:ext>
-            </a:extLst>
-          </a:blip>
+          <a:blip r:embed="rId2"/>
           <a:stretch>
             <a:fillRect/>
           </a:stretch>
         </p:blipFill>
         <p:spPr>
           <a:xfrm>
-            <a:off x="449802" y="1735584"/>
-            <a:ext cx="10990556" cy="3740043"/>
+            <a:off x="2543908" y="724302"/>
+            <a:ext cx="7469431" cy="5768573"/>
           </a:xfrm>
           <a:prstGeom prst="rect">
             <a:avLst/>
           </a:prstGeom>
         </p:spPr>
       </p:pic>
+      <p:sp>
+        <p:nvSpPr>
+          <p:cNvPr id="9" name="内容占位符 8">
+            <a:extLst>
+              <a:ext uri="{FF2B5EF4-FFF2-40B4-BE49-F238E27FC236}">
+                <a16:creationId xmlns:a16="http://schemas.microsoft.com/office/drawing/2014/main" id="{496D168B-2864-D140-6C24-88215FCB87A7}"/>
+              </a:ext>
+            </a:extLst>
+          </p:cNvPr>
+          <p:cNvSpPr>
+            <a:spLocks noGrp="1"/>
+          </p:cNvSpPr>
+          <p:nvPr>
+            <p:ph idx="1"/>
+          </p:nvPr>
+        </p:nvSpPr>
+        <p:spPr/>
+        <p:txBody>
+          <a:bodyPr/>
+          <a:lstStyle/>
+          <a:p>
+            <a:endParaRPr lang="zh-CN" altLang="en-US" dirty="0"/>
+          </a:p>
+        </p:txBody>
+      </p:sp>
     </p:spTree>
     <p:extLst>
       <p:ext uri="{BB962C8B-B14F-4D97-AF65-F5344CB8AC3E}">
-        <p14:creationId xmlns:p14="http://schemas.microsoft.com/office/powerpoint/2010/main" val="3037576983"/>
+        <p14:creationId xmlns:p14="http://schemas.microsoft.com/office/powerpoint/2010/main" val="3011449244"/>
       </p:ext>
     </p:extLst>
   </p:cSld>
@@ -5294,7 +5627,7 @@
           <p:cNvPr id="2" name="标题 1">
             <a:extLst>
               <a:ext uri="{FF2B5EF4-FFF2-40B4-BE49-F238E27FC236}">
-                <a16:creationId xmlns:a16="http://schemas.microsoft.com/office/drawing/2014/main" id="{00146DD9-B245-430F-9395-377E5F8E4186}"/>
+                <a16:creationId xmlns:a16="http://schemas.microsoft.com/office/drawing/2014/main" id="{0E04042D-6218-41DD-5CA5-D829D3AE2FDC}"/>
               </a:ext>
             </a:extLst>
           </p:cNvPr>
@@ -5305,141 +5638,48 @@
             <p:ph type="title"/>
           </p:nvPr>
         </p:nvSpPr>
-        <p:spPr>
-          <a:xfrm>
-            <a:off x="838200" y="365125"/>
-            <a:ext cx="10515600" cy="931015"/>
-          </a:xfrm>
-        </p:spPr>
+        <p:spPr/>
         <p:txBody>
           <a:bodyPr/>
           <a:lstStyle/>
           <a:p>
-            <a:r>
-              <a:rPr lang="zh-CN" altLang="en-US" dirty="0"/>
-              <a:t>数据集测试</a:t>
-            </a:r>
-          </a:p>
-        </p:txBody>
-      </p:sp>
-      <p:sp>
-        <p:nvSpPr>
-          <p:cNvPr id="9" name="内容占位符 8">
-            <a:extLst>
-              <a:ext uri="{FF2B5EF4-FFF2-40B4-BE49-F238E27FC236}">
-                <a16:creationId xmlns:a16="http://schemas.microsoft.com/office/drawing/2014/main" id="{EEBE05A9-3E5F-4D22-9FE9-DF11E1B9C284}"/>
-              </a:ext>
-            </a:extLst>
-          </p:cNvPr>
-          <p:cNvSpPr>
-            <a:spLocks noGrp="1"/>
-          </p:cNvSpPr>
-          <p:nvPr>
-            <p:ph idx="1"/>
-          </p:nvPr>
-        </p:nvSpPr>
-        <p:spPr>
-          <a:xfrm>
-            <a:off x="838200" y="1606858"/>
-            <a:ext cx="10515600" cy="4570105"/>
-          </a:xfrm>
-        </p:spPr>
-        <p:txBody>
-          <a:bodyPr>
-            <a:normAutofit/>
-          </a:bodyPr>
-          <a:lstStyle/>
-          <a:p>
-            <a:r>
-              <a:rPr lang="zh-CN" altLang="en-US" sz="1600" dirty="0"/>
-              <a:t>实验结果表明，最小生成树和路径压缩均对算法效率有较大提升</a:t>
-            </a:r>
-            <a:endParaRPr lang="en-US" altLang="zh-CN" sz="1600" dirty="0"/>
-          </a:p>
-          <a:p>
-            <a:r>
-              <a:rPr lang="zh-CN" altLang="en-US" sz="1600" dirty="0"/>
-              <a:t>通过路径压缩，理论上搜索深度可以压缩至</a:t>
-            </a:r>
-            <a:r>
-              <a:rPr lang="en-US" altLang="zh-CN" sz="1600" dirty="0"/>
-              <a:t>O(1)</a:t>
-            </a:r>
-            <a:r>
-              <a:rPr lang="zh-CN" altLang="en-US" sz="1600" dirty="0"/>
-              <a:t>，最小生成树可以减少</a:t>
-            </a:r>
-            <a:r>
-              <a:rPr lang="en-US" altLang="zh-CN" sz="1600" dirty="0" err="1"/>
-              <a:t>dfs</a:t>
-            </a:r>
-            <a:r>
-              <a:rPr lang="zh-CN" altLang="en-US" sz="1600" dirty="0"/>
-              <a:t>次数并储存结果</a:t>
-            </a:r>
-            <a:endParaRPr lang="en-US" altLang="zh-CN" sz="1600" dirty="0"/>
-          </a:p>
-          <a:p>
-            <a:r>
-              <a:rPr lang="zh-CN" altLang="en-US" sz="1600" dirty="0"/>
-              <a:t>最小生成树和路径压缩优化之后时间成本相较于基准算法从</a:t>
-            </a:r>
-            <a:r>
-              <a:rPr lang="en-US" altLang="zh-CN" sz="1600" dirty="0"/>
-              <a:t>O(n^2)</a:t>
-            </a:r>
-            <a:r>
-              <a:rPr lang="zh-CN" altLang="en-US" sz="1600" dirty="0"/>
-              <a:t>减少到</a:t>
-            </a:r>
-            <a:r>
-              <a:rPr lang="en-US" altLang="zh-CN" sz="1600" dirty="0"/>
-              <a:t>O(n)</a:t>
-            </a:r>
-            <a:endParaRPr lang="zh-CN" altLang="en-US" sz="1600" dirty="0"/>
+            <a:endParaRPr lang="zh-CN" altLang="en-US"/>
           </a:p>
         </p:txBody>
       </p:sp>
       <p:pic>
         <p:nvPicPr>
-          <p:cNvPr id="12" name="图片 11">
-            <a:extLst>
-              <a:ext uri="{FF2B5EF4-FFF2-40B4-BE49-F238E27FC236}">
-                <a16:creationId xmlns:a16="http://schemas.microsoft.com/office/drawing/2014/main" id="{CFE29180-A1A9-4F51-A864-EBE6C5A01FE2}"/>
+          <p:cNvPr id="5" name="内容占位符 4">
+            <a:extLst>
+              <a:ext uri="{FF2B5EF4-FFF2-40B4-BE49-F238E27FC236}">
+                <a16:creationId xmlns:a16="http://schemas.microsoft.com/office/drawing/2014/main" id="{16FDB28A-DBF5-0F5F-D2F2-495BEA275FE4}"/>
               </a:ext>
             </a:extLst>
           </p:cNvPr>
           <p:cNvPicPr>
-            <a:picLocks noChangeAspect="1"/>
+            <a:picLocks noGrp="1" noChangeAspect="1"/>
           </p:cNvPicPr>
-          <p:nvPr/>
+          <p:nvPr>
+            <p:ph idx="1"/>
+          </p:nvPr>
         </p:nvPicPr>
         <p:blipFill>
-          <a:blip r:embed="rId2">
-            <a:extLst>
-              <a:ext uri="{28A0092B-C50C-407E-A947-70E740481C1C}">
-                <a14:useLocalDpi xmlns:a14="http://schemas.microsoft.com/office/drawing/2010/main" val="0"/>
-              </a:ext>
-            </a:extLst>
-          </a:blip>
+          <a:blip r:embed="rId2"/>
           <a:stretch>
             <a:fillRect/>
           </a:stretch>
         </p:blipFill>
         <p:spPr>
           <a:xfrm>
-            <a:off x="838200" y="3664977"/>
-            <a:ext cx="7563775" cy="1586165"/>
+            <a:off x="2568850" y="651180"/>
+            <a:ext cx="7300551" cy="5555640"/>
           </a:xfrm>
-          <a:prstGeom prst="rect">
-            <a:avLst/>
-          </a:prstGeom>
         </p:spPr>
       </p:pic>
     </p:spTree>
     <p:extLst>
       <p:ext uri="{BB962C8B-B14F-4D97-AF65-F5344CB8AC3E}">
-        <p14:creationId xmlns:p14="http://schemas.microsoft.com/office/powerpoint/2010/main" val="2960159118"/>
+        <p14:creationId xmlns:p14="http://schemas.microsoft.com/office/powerpoint/2010/main" val="2595388206"/>
       </p:ext>
     </p:extLst>
   </p:cSld>

--- a/report/实验6/算法实验06.pptx
+++ b/report/实验6/算法实验06.pptx
@@ -5,7 +5,7 @@
     <p:sldMasterId id="2147483648" r:id="rId1"/>
   </p:sldMasterIdLst>
   <p:notesMasterIdLst>
-    <p:notesMasterId r:id="rId12"/>
+    <p:notesMasterId r:id="rId14"/>
   </p:notesMasterIdLst>
   <p:sldIdLst>
     <p:sldId id="256" r:id="rId2"/>
@@ -13,11 +13,13 @@
     <p:sldId id="284" r:id="rId4"/>
     <p:sldId id="285" r:id="rId5"/>
     <p:sldId id="286" r:id="rId6"/>
-    <p:sldId id="287" r:id="rId7"/>
-    <p:sldId id="288" r:id="rId8"/>
-    <p:sldId id="289" r:id="rId9"/>
-    <p:sldId id="290" r:id="rId10"/>
-    <p:sldId id="274" r:id="rId11"/>
+    <p:sldId id="291" r:id="rId7"/>
+    <p:sldId id="292" r:id="rId8"/>
+    <p:sldId id="287" r:id="rId9"/>
+    <p:sldId id="288" r:id="rId10"/>
+    <p:sldId id="289" r:id="rId11"/>
+    <p:sldId id="290" r:id="rId12"/>
+    <p:sldId id="274" r:id="rId13"/>
   </p:sldIdLst>
   <p:sldSz cx="12192000" cy="6858000"/>
   <p:notesSz cx="6858000" cy="9144000"/>
@@ -206,7 +208,7 @@
           <a:p>
             <a:fld id="{F58E760A-513A-4FE9-992A-6186B1C5668C}" type="datetimeFigureOut">
               <a:rPr lang="zh-CN" altLang="en-US" smtClean="0"/>
-              <a:t>2022/6/13</a:t>
+              <a:t>2022/6/17</a:t>
             </a:fld>
             <a:endParaRPr lang="zh-CN" altLang="en-US"/>
           </a:p>
@@ -620,7 +622,7 @@
           <a:p>
             <a:fld id="{0A5E204F-936A-4981-9D89-FEB571C08560}" type="datetimeFigureOut">
               <a:rPr lang="zh-CN" altLang="en-US" smtClean="0"/>
-              <a:t>2022/6/13</a:t>
+              <a:t>2022/6/17</a:t>
             </a:fld>
             <a:endParaRPr lang="zh-CN" altLang="en-US"/>
           </a:p>
@@ -818,7 +820,7 @@
           <a:p>
             <a:fld id="{0A5E204F-936A-4981-9D89-FEB571C08560}" type="datetimeFigureOut">
               <a:rPr lang="zh-CN" altLang="en-US" smtClean="0"/>
-              <a:t>2022/6/13</a:t>
+              <a:t>2022/6/17</a:t>
             </a:fld>
             <a:endParaRPr lang="zh-CN" altLang="en-US"/>
           </a:p>
@@ -1026,7 +1028,7 @@
           <a:p>
             <a:fld id="{0A5E204F-936A-4981-9D89-FEB571C08560}" type="datetimeFigureOut">
               <a:rPr lang="zh-CN" altLang="en-US" smtClean="0"/>
-              <a:t>2022/6/13</a:t>
+              <a:t>2022/6/17</a:t>
             </a:fld>
             <a:endParaRPr lang="zh-CN" altLang="en-US"/>
           </a:p>
@@ -1224,7 +1226,7 @@
           <a:p>
             <a:fld id="{0A5E204F-936A-4981-9D89-FEB571C08560}" type="datetimeFigureOut">
               <a:rPr lang="zh-CN" altLang="en-US" smtClean="0"/>
-              <a:t>2022/6/13</a:t>
+              <a:t>2022/6/17</a:t>
             </a:fld>
             <a:endParaRPr lang="zh-CN" altLang="en-US"/>
           </a:p>
@@ -1499,7 +1501,7 @@
           <a:p>
             <a:fld id="{0A5E204F-936A-4981-9D89-FEB571C08560}" type="datetimeFigureOut">
               <a:rPr lang="zh-CN" altLang="en-US" smtClean="0"/>
-              <a:t>2022/6/13</a:t>
+              <a:t>2022/6/17</a:t>
             </a:fld>
             <a:endParaRPr lang="zh-CN" altLang="en-US"/>
           </a:p>
@@ -1764,7 +1766,7 @@
           <a:p>
             <a:fld id="{0A5E204F-936A-4981-9D89-FEB571C08560}" type="datetimeFigureOut">
               <a:rPr lang="zh-CN" altLang="en-US" smtClean="0"/>
-              <a:t>2022/6/13</a:t>
+              <a:t>2022/6/17</a:t>
             </a:fld>
             <a:endParaRPr lang="zh-CN" altLang="en-US"/>
           </a:p>
@@ -2176,7 +2178,7 @@
           <a:p>
             <a:fld id="{0A5E204F-936A-4981-9D89-FEB571C08560}" type="datetimeFigureOut">
               <a:rPr lang="zh-CN" altLang="en-US" smtClean="0"/>
-              <a:t>2022/6/13</a:t>
+              <a:t>2022/6/17</a:t>
             </a:fld>
             <a:endParaRPr lang="zh-CN" altLang="en-US"/>
           </a:p>
@@ -2317,7 +2319,7 @@
           <a:p>
             <a:fld id="{0A5E204F-936A-4981-9D89-FEB571C08560}" type="datetimeFigureOut">
               <a:rPr lang="zh-CN" altLang="en-US" smtClean="0"/>
-              <a:t>2022/6/13</a:t>
+              <a:t>2022/6/17</a:t>
             </a:fld>
             <a:endParaRPr lang="zh-CN" altLang="en-US"/>
           </a:p>
@@ -2430,7 +2432,7 @@
           <a:p>
             <a:fld id="{0A5E204F-936A-4981-9D89-FEB571C08560}" type="datetimeFigureOut">
               <a:rPr lang="zh-CN" altLang="en-US" smtClean="0"/>
-              <a:t>2022/6/13</a:t>
+              <a:t>2022/6/17</a:t>
             </a:fld>
             <a:endParaRPr lang="zh-CN" altLang="en-US"/>
           </a:p>
@@ -2741,7 +2743,7 @@
           <a:p>
             <a:fld id="{0A5E204F-936A-4981-9D89-FEB571C08560}" type="datetimeFigureOut">
               <a:rPr lang="zh-CN" altLang="en-US" smtClean="0"/>
-              <a:t>2022/6/13</a:t>
+              <a:t>2022/6/17</a:t>
             </a:fld>
             <a:endParaRPr lang="zh-CN" altLang="en-US"/>
           </a:p>
@@ -3029,7 +3031,7 @@
           <a:p>
             <a:fld id="{0A5E204F-936A-4981-9D89-FEB571C08560}" type="datetimeFigureOut">
               <a:rPr lang="zh-CN" altLang="en-US" smtClean="0"/>
-              <a:t>2022/6/13</a:t>
+              <a:t>2022/6/17</a:t>
             </a:fld>
             <a:endParaRPr lang="zh-CN" altLang="en-US"/>
           </a:p>
@@ -3270,7 +3272,7 @@
           <a:p>
             <a:fld id="{0A5E204F-936A-4981-9D89-FEB571C08560}" type="datetimeFigureOut">
               <a:rPr lang="zh-CN" altLang="en-US" smtClean="0"/>
-              <a:t>2022/6/13</a:t>
+              <a:t>2022/6/17</a:t>
             </a:fld>
             <a:endParaRPr lang="zh-CN" altLang="en-US"/>
           </a:p>
@@ -3809,6 +3811,200 @@
           <p:cNvPr id="2" name="标题 1">
             <a:extLst>
               <a:ext uri="{FF2B5EF4-FFF2-40B4-BE49-F238E27FC236}">
+                <a16:creationId xmlns:a16="http://schemas.microsoft.com/office/drawing/2014/main" id="{2E1EC0CF-100B-334C-65AF-3BD969690452}"/>
+              </a:ext>
+            </a:extLst>
+          </p:cNvPr>
+          <p:cNvSpPr>
+            <a:spLocks noGrp="1"/>
+          </p:cNvSpPr>
+          <p:nvPr>
+            <p:ph type="title"/>
+          </p:nvPr>
+        </p:nvSpPr>
+        <p:spPr/>
+        <p:txBody>
+          <a:bodyPr/>
+          <a:lstStyle/>
+          <a:p>
+            <a:endParaRPr lang="zh-CN" altLang="en-US"/>
+          </a:p>
+        </p:txBody>
+      </p:sp>
+      <p:pic>
+        <p:nvPicPr>
+          <p:cNvPr id="7" name="图片 6">
+            <a:extLst>
+              <a:ext uri="{FF2B5EF4-FFF2-40B4-BE49-F238E27FC236}">
+                <a16:creationId xmlns:a16="http://schemas.microsoft.com/office/drawing/2014/main" id="{F442D5D2-1EE2-8A19-4934-7E1A80227810}"/>
+              </a:ext>
+            </a:extLst>
+          </p:cNvPr>
+          <p:cNvPicPr>
+            <a:picLocks noChangeAspect="1"/>
+          </p:cNvPicPr>
+          <p:nvPr/>
+        </p:nvPicPr>
+        <p:blipFill>
+          <a:blip r:embed="rId2"/>
+          <a:stretch>
+            <a:fillRect/>
+          </a:stretch>
+        </p:blipFill>
+        <p:spPr>
+          <a:xfrm>
+            <a:off x="2543908" y="724302"/>
+            <a:ext cx="7469431" cy="5768573"/>
+          </a:xfrm>
+          <a:prstGeom prst="rect">
+            <a:avLst/>
+          </a:prstGeom>
+        </p:spPr>
+      </p:pic>
+      <p:sp>
+        <p:nvSpPr>
+          <p:cNvPr id="9" name="内容占位符 8">
+            <a:extLst>
+              <a:ext uri="{FF2B5EF4-FFF2-40B4-BE49-F238E27FC236}">
+                <a16:creationId xmlns:a16="http://schemas.microsoft.com/office/drawing/2014/main" id="{496D168B-2864-D140-6C24-88215FCB87A7}"/>
+              </a:ext>
+            </a:extLst>
+          </p:cNvPr>
+          <p:cNvSpPr>
+            <a:spLocks noGrp="1"/>
+          </p:cNvSpPr>
+          <p:nvPr>
+            <p:ph idx="1"/>
+          </p:nvPr>
+        </p:nvSpPr>
+        <p:spPr/>
+        <p:txBody>
+          <a:bodyPr/>
+          <a:lstStyle/>
+          <a:p>
+            <a:endParaRPr lang="zh-CN" altLang="en-US" dirty="0"/>
+          </a:p>
+        </p:txBody>
+      </p:sp>
+    </p:spTree>
+    <p:extLst>
+      <p:ext uri="{BB962C8B-B14F-4D97-AF65-F5344CB8AC3E}">
+        <p14:creationId xmlns:p14="http://schemas.microsoft.com/office/powerpoint/2010/main" val="3011449244"/>
+      </p:ext>
+    </p:extLst>
+  </p:cSld>
+  <p:clrMapOvr>
+    <a:masterClrMapping/>
+  </p:clrMapOvr>
+</p:sld>
+</file>
+
+<file path=ppt/slides/slide11.xml><?xml version="1.0" encoding="utf-8"?>
+<p:sld xmlns:a="http://schemas.openxmlformats.org/drawingml/2006/main" xmlns:r="http://schemas.openxmlformats.org/officeDocument/2006/relationships" xmlns:p="http://schemas.openxmlformats.org/presentationml/2006/main">
+  <p:cSld>
+    <p:spTree>
+      <p:nvGrpSpPr>
+        <p:cNvPr id="1" name=""/>
+        <p:cNvGrpSpPr/>
+        <p:nvPr/>
+      </p:nvGrpSpPr>
+      <p:grpSpPr>
+        <a:xfrm>
+          <a:off x="0" y="0"/>
+          <a:ext cx="0" cy="0"/>
+          <a:chOff x="0" y="0"/>
+          <a:chExt cx="0" cy="0"/>
+        </a:xfrm>
+      </p:grpSpPr>
+      <p:sp>
+        <p:nvSpPr>
+          <p:cNvPr id="2" name="标题 1">
+            <a:extLst>
+              <a:ext uri="{FF2B5EF4-FFF2-40B4-BE49-F238E27FC236}">
+                <a16:creationId xmlns:a16="http://schemas.microsoft.com/office/drawing/2014/main" id="{0E04042D-6218-41DD-5CA5-D829D3AE2FDC}"/>
+              </a:ext>
+            </a:extLst>
+          </p:cNvPr>
+          <p:cNvSpPr>
+            <a:spLocks noGrp="1"/>
+          </p:cNvSpPr>
+          <p:nvPr>
+            <p:ph type="title"/>
+          </p:nvPr>
+        </p:nvSpPr>
+        <p:spPr/>
+        <p:txBody>
+          <a:bodyPr/>
+          <a:lstStyle/>
+          <a:p>
+            <a:endParaRPr lang="zh-CN" altLang="en-US"/>
+          </a:p>
+        </p:txBody>
+      </p:sp>
+      <p:pic>
+        <p:nvPicPr>
+          <p:cNvPr id="5" name="内容占位符 4">
+            <a:extLst>
+              <a:ext uri="{FF2B5EF4-FFF2-40B4-BE49-F238E27FC236}">
+                <a16:creationId xmlns:a16="http://schemas.microsoft.com/office/drawing/2014/main" id="{16FDB28A-DBF5-0F5F-D2F2-495BEA275FE4}"/>
+              </a:ext>
+            </a:extLst>
+          </p:cNvPr>
+          <p:cNvPicPr>
+            <a:picLocks noGrp="1" noChangeAspect="1"/>
+          </p:cNvPicPr>
+          <p:nvPr>
+            <p:ph idx="1"/>
+          </p:nvPr>
+        </p:nvPicPr>
+        <p:blipFill>
+          <a:blip r:embed="rId2"/>
+          <a:stretch>
+            <a:fillRect/>
+          </a:stretch>
+        </p:blipFill>
+        <p:spPr>
+          <a:xfrm>
+            <a:off x="2568850" y="651180"/>
+            <a:ext cx="7300551" cy="5555640"/>
+          </a:xfrm>
+        </p:spPr>
+      </p:pic>
+    </p:spTree>
+    <p:extLst>
+      <p:ext uri="{BB962C8B-B14F-4D97-AF65-F5344CB8AC3E}">
+        <p14:creationId xmlns:p14="http://schemas.microsoft.com/office/powerpoint/2010/main" val="2595388206"/>
+      </p:ext>
+    </p:extLst>
+  </p:cSld>
+  <p:clrMapOvr>
+    <a:masterClrMapping/>
+  </p:clrMapOvr>
+</p:sld>
+</file>
+
+<file path=ppt/slides/slide12.xml><?xml version="1.0" encoding="utf-8"?>
+<p:sld xmlns:a="http://schemas.openxmlformats.org/drawingml/2006/main" xmlns:r="http://schemas.openxmlformats.org/officeDocument/2006/relationships" xmlns:p="http://schemas.openxmlformats.org/presentationml/2006/main">
+  <p:cSld>
+    <p:spTree>
+      <p:nvGrpSpPr>
+        <p:cNvPr id="1" name=""/>
+        <p:cNvGrpSpPr/>
+        <p:nvPr/>
+      </p:nvGrpSpPr>
+      <p:grpSpPr>
+        <a:xfrm>
+          <a:off x="0" y="0"/>
+          <a:ext cx="0" cy="0"/>
+          <a:chOff x="0" y="0"/>
+          <a:chExt cx="0" cy="0"/>
+        </a:xfrm>
+      </p:grpSpPr>
+      <p:sp>
+        <p:nvSpPr>
+          <p:cNvPr id="2" name="标题 1">
+            <a:extLst>
+              <a:ext uri="{FF2B5EF4-FFF2-40B4-BE49-F238E27FC236}">
                 <a16:creationId xmlns:a16="http://schemas.microsoft.com/office/drawing/2014/main" id="{5637EFB4-A24A-4AD5-8CA5-28F4880496F8}"/>
               </a:ext>
             </a:extLst>
@@ -5132,7 +5328,7 @@
           <p:cNvPr id="2" name="标题 1">
             <a:extLst>
               <a:ext uri="{FF2B5EF4-FFF2-40B4-BE49-F238E27FC236}">
-                <a16:creationId xmlns:a16="http://schemas.microsoft.com/office/drawing/2014/main" id="{081199B0-E3A2-018B-C0CA-8A93DBEF408C}"/>
+                <a16:creationId xmlns:a16="http://schemas.microsoft.com/office/drawing/2014/main" id="{B7FC5B89-BE5A-9CD0-DE76-C7D086169A88}"/>
               </a:ext>
             </a:extLst>
           </p:cNvPr>
@@ -5144,9 +5340,9 @@
           </p:nvPr>
         </p:nvSpPr>
         <p:spPr>
-          <a:xfrm flipV="1">
-            <a:off x="838200" y="117232"/>
-            <a:ext cx="10515600" cy="247894"/>
+          <a:xfrm>
+            <a:off x="838200" y="365125"/>
+            <a:ext cx="10515600" cy="803799"/>
           </a:xfrm>
         </p:spPr>
         <p:txBody>
@@ -5155,6 +5351,47 @@
           </a:bodyPr>
           <a:lstStyle/>
           <a:p>
+            <a:r>
+              <a:rPr lang="en-US" altLang="zh-CN" sz="2800" dirty="0">
+                <a:latin typeface="+mn-lt"/>
+                <a:ea typeface="+mn-ea"/>
+                <a:cs typeface="+mn-cs"/>
+              </a:rPr>
+              <a:t>Ford-Fulkerson</a:t>
+            </a:r>
+            <a:r>
+              <a:rPr lang="zh-CN" altLang="en-US" sz="2800" dirty="0">
+                <a:latin typeface="+mn-lt"/>
+                <a:ea typeface="+mn-ea"/>
+                <a:cs typeface="+mn-cs"/>
+              </a:rPr>
+              <a:t>方法（</a:t>
+            </a:r>
+            <a:r>
+              <a:rPr lang="en-US" altLang="zh-CN" sz="2800" dirty="0">
+                <a:latin typeface="+mn-lt"/>
+                <a:ea typeface="+mn-ea"/>
+                <a:cs typeface="+mn-cs"/>
+              </a:rPr>
+              <a:t>EK</a:t>
+            </a:r>
+            <a:r>
+              <a:rPr lang="zh-CN" altLang="en-US" sz="2800" dirty="0">
+                <a:latin typeface="+mn-lt"/>
+                <a:ea typeface="+mn-ea"/>
+                <a:cs typeface="+mn-cs"/>
+              </a:rPr>
+              <a:t>算法）</a:t>
+            </a:r>
+            <a:br>
+              <a:rPr lang="en-US" altLang="zh-CN" b="1" i="0" dirty="0">
+                <a:solidFill>
+                  <a:srgbClr val="4F4F4F"/>
+                </a:solidFill>
+                <a:effectLst/>
+                <a:latin typeface="PingFang SC"/>
+              </a:rPr>
+            </a:br>
             <a:endParaRPr lang="zh-CN" altLang="en-US" dirty="0"/>
           </a:p>
         </p:txBody>
@@ -5164,7 +5401,7 @@
           <p:cNvPr id="3" name="内容占位符 2">
             <a:extLst>
               <a:ext uri="{FF2B5EF4-FFF2-40B4-BE49-F238E27FC236}">
-                <a16:creationId xmlns:a16="http://schemas.microsoft.com/office/drawing/2014/main" id="{59D53C5B-E4B3-865C-0ECA-4B357634DDA3}"/>
+                <a16:creationId xmlns:a16="http://schemas.microsoft.com/office/drawing/2014/main" id="{474ED1B6-F16A-B219-3458-A23282BC9485}"/>
               </a:ext>
             </a:extLst>
           </p:cNvPr>
@@ -5177,8 +5414,8 @@
         </p:nvSpPr>
         <p:spPr>
           <a:xfrm>
-            <a:off x="838200" y="574431"/>
-            <a:ext cx="10515600" cy="5602532"/>
+            <a:off x="838200" y="1168924"/>
+            <a:ext cx="10515600" cy="5008039"/>
           </a:xfrm>
         </p:spPr>
         <p:txBody>
@@ -5189,49 +5426,71 @@
           <a:p>
             <a:r>
               <a:rPr lang="zh-CN" altLang="en-US" sz="1800" dirty="0"/>
-              <a:t>但在极端情况下，该算法效率很低，且在</a:t>
-            </a:r>
-            <a:r>
-              <a:rPr lang="en-US" altLang="zh-CN" sz="1800" dirty="0" err="1"/>
-              <a:t>dfs</a:t>
+              <a:t>增加回退边</a:t>
+            </a:r>
+            <a:r>
+              <a:rPr lang="en-US" altLang="zh-CN" sz="1800" dirty="0"/>
+              <a:t>:</a:t>
             </a:r>
             <a:r>
               <a:rPr lang="zh-CN" altLang="en-US" sz="1800" dirty="0"/>
-              <a:t>情况下无法避免</a:t>
+              <a:t>如果一个节点：</a:t>
             </a:r>
             <a:endParaRPr lang="en-US" altLang="zh-CN" sz="1800" dirty="0"/>
           </a:p>
           <a:p>
             <a:r>
               <a:rPr lang="zh-CN" altLang="en-US" sz="1800" dirty="0"/>
-              <a:t>但可以对算法进行优化：</a:t>
+              <a:t>如图所示，</a:t>
+            </a:r>
+            <a:r>
+              <a:rPr lang="en-US" altLang="zh-CN" sz="1800" dirty="0"/>
+              <a:t>B</a:t>
+            </a:r>
+            <a:r>
+              <a:rPr lang="zh-CN" altLang="en-US" sz="1800" dirty="0"/>
+              <a:t>接收了</a:t>
+            </a:r>
+            <a:r>
+              <a:rPr lang="en-US" altLang="zh-CN" sz="1800" dirty="0"/>
+              <a:t>8</a:t>
+            </a:r>
+            <a:r>
+              <a:rPr lang="zh-CN" altLang="en-US" sz="1800" dirty="0"/>
+              <a:t>个单位，那么</a:t>
+            </a:r>
+            <a:r>
+              <a:rPr lang="en-US" altLang="zh-CN" sz="1800" dirty="0"/>
+              <a:t>B</a:t>
+            </a:r>
+            <a:r>
+              <a:rPr lang="zh-CN" altLang="en-US" sz="1800" dirty="0"/>
+              <a:t>也可以把</a:t>
+            </a:r>
+            <a:r>
+              <a:rPr lang="en-US" altLang="zh-CN" sz="1800" dirty="0"/>
+              <a:t>8</a:t>
+            </a:r>
+            <a:r>
+              <a:rPr lang="zh-CN" altLang="en-US" sz="1800" dirty="0"/>
+              <a:t>流量发送回去</a:t>
             </a:r>
             <a:endParaRPr lang="en-US" altLang="zh-CN" sz="1800" dirty="0"/>
           </a:p>
           <a:p>
             <a:r>
+              <a:rPr lang="zh-CN" altLang="en-US" sz="1800" dirty="0"/>
+              <a:t>且</a:t>
+            </a:r>
+            <a:r>
               <a:rPr lang="en-US" altLang="zh-CN" sz="1800" dirty="0"/>
-              <a:t>DINIC</a:t>
+              <a:t>B</a:t>
             </a:r>
             <a:r>
               <a:rPr lang="zh-CN" altLang="en-US" sz="1800" dirty="0"/>
-              <a:t>因为路径的选择方式不会影响最终结果，所以可以通过降低路径长度来提高算法效率</a:t>
+              <a:t>的发送量等于接受量</a:t>
             </a:r>
             <a:endParaRPr lang="en-US" altLang="zh-CN" sz="1800" dirty="0"/>
-          </a:p>
-          <a:p>
-            <a:r>
-              <a:rPr lang="zh-CN" altLang="en-US" sz="1800" dirty="0"/>
-              <a:t>从源节点开始通过</a:t>
-            </a:r>
-            <a:r>
-              <a:rPr lang="en-US" altLang="zh-CN" sz="1800" dirty="0"/>
-              <a:t>BFS</a:t>
-            </a:r>
-            <a:r>
-              <a:rPr lang="zh-CN" altLang="en-US" sz="1800" dirty="0"/>
-              <a:t>对节点进行分层，每次前行的时候都是尽可能前往更高层的节点，这种情况下保证每一次“前行”都是靠近终点</a:t>
-            </a:r>
           </a:p>
         </p:txBody>
       </p:sp>
@@ -5240,7 +5499,7 @@
           <p:cNvPr id="5" name="图片 4">
             <a:extLst>
               <a:ext uri="{FF2B5EF4-FFF2-40B4-BE49-F238E27FC236}">
-                <a16:creationId xmlns:a16="http://schemas.microsoft.com/office/drawing/2014/main" id="{26879F80-B304-95CE-9320-F71B8D6C8B22}"/>
+                <a16:creationId xmlns:a16="http://schemas.microsoft.com/office/drawing/2014/main" id="{5142C80F-CF3E-ED44-3F73-7A879DA24907}"/>
               </a:ext>
             </a:extLst>
           </p:cNvPr>
@@ -5257,8 +5516,128 @@
         </p:blipFill>
         <p:spPr>
           <a:xfrm>
-            <a:off x="1346870" y="2485291"/>
-            <a:ext cx="2542261" cy="3432053"/>
+            <a:off x="6315367" y="2636029"/>
+            <a:ext cx="4186093" cy="3236866"/>
+          </a:xfrm>
+          <a:prstGeom prst="rect">
+            <a:avLst/>
+          </a:prstGeom>
+        </p:spPr>
+      </p:pic>
+      <p:pic>
+        <p:nvPicPr>
+          <p:cNvPr id="11" name="图片 10">
+            <a:extLst>
+              <a:ext uri="{FF2B5EF4-FFF2-40B4-BE49-F238E27FC236}">
+                <a16:creationId xmlns:a16="http://schemas.microsoft.com/office/drawing/2014/main" id="{7318F17B-D753-5CBC-9F81-88124AF353A9}"/>
+              </a:ext>
+            </a:extLst>
+          </p:cNvPr>
+          <p:cNvPicPr>
+            <a:picLocks noChangeAspect="1"/>
+          </p:cNvPicPr>
+          <p:nvPr/>
+        </p:nvPicPr>
+        <p:blipFill>
+          <a:blip r:embed="rId3"/>
+          <a:stretch>
+            <a:fillRect/>
+          </a:stretch>
+        </p:blipFill>
+        <p:spPr>
+          <a:xfrm>
+            <a:off x="7663157" y="754087"/>
+            <a:ext cx="2295525" cy="1457325"/>
+          </a:xfrm>
+          <a:prstGeom prst="rect">
+            <a:avLst/>
+          </a:prstGeom>
+        </p:spPr>
+      </p:pic>
+      <p:pic>
+        <p:nvPicPr>
+          <p:cNvPr id="13" name="图片 12">
+            <a:extLst>
+              <a:ext uri="{FF2B5EF4-FFF2-40B4-BE49-F238E27FC236}">
+                <a16:creationId xmlns:a16="http://schemas.microsoft.com/office/drawing/2014/main" id="{D143C341-F47C-7872-5EB8-B0CE48F47E1C}"/>
+              </a:ext>
+            </a:extLst>
+          </p:cNvPr>
+          <p:cNvPicPr>
+            <a:picLocks noChangeAspect="1"/>
+          </p:cNvPicPr>
+          <p:nvPr/>
+        </p:nvPicPr>
+        <p:blipFill>
+          <a:blip r:embed="rId4"/>
+          <a:stretch>
+            <a:fillRect/>
+          </a:stretch>
+        </p:blipFill>
+        <p:spPr>
+          <a:xfrm>
+            <a:off x="339266" y="2573518"/>
+            <a:ext cx="2439301" cy="1924491"/>
+          </a:xfrm>
+          <a:prstGeom prst="rect">
+            <a:avLst/>
+          </a:prstGeom>
+        </p:spPr>
+      </p:pic>
+      <p:pic>
+        <p:nvPicPr>
+          <p:cNvPr id="15" name="图片 14">
+            <a:extLst>
+              <a:ext uri="{FF2B5EF4-FFF2-40B4-BE49-F238E27FC236}">
+                <a16:creationId xmlns:a16="http://schemas.microsoft.com/office/drawing/2014/main" id="{698679DB-74B8-65EA-8D15-BC4CD3E00388}"/>
+              </a:ext>
+            </a:extLst>
+          </p:cNvPr>
+          <p:cNvPicPr>
+            <a:picLocks noChangeAspect="1"/>
+          </p:cNvPicPr>
+          <p:nvPr/>
+        </p:nvPicPr>
+        <p:blipFill>
+          <a:blip r:embed="rId5"/>
+          <a:stretch>
+            <a:fillRect/>
+          </a:stretch>
+        </p:blipFill>
+        <p:spPr>
+          <a:xfrm>
+            <a:off x="2149312" y="2573518"/>
+            <a:ext cx="2439301" cy="1924491"/>
+          </a:xfrm>
+          <a:prstGeom prst="rect">
+            <a:avLst/>
+          </a:prstGeom>
+        </p:spPr>
+      </p:pic>
+      <p:pic>
+        <p:nvPicPr>
+          <p:cNvPr id="17" name="图片 16">
+            <a:extLst>
+              <a:ext uri="{FF2B5EF4-FFF2-40B4-BE49-F238E27FC236}">
+                <a16:creationId xmlns:a16="http://schemas.microsoft.com/office/drawing/2014/main" id="{85AC1716-3329-9738-3923-F8D09EB9F68A}"/>
+              </a:ext>
+            </a:extLst>
+          </p:cNvPr>
+          <p:cNvPicPr>
+            <a:picLocks noChangeAspect="1"/>
+          </p:cNvPicPr>
+          <p:nvPr/>
+        </p:nvPicPr>
+        <p:blipFill>
+          <a:blip r:embed="rId6"/>
+          <a:stretch>
+            <a:fillRect/>
+          </a:stretch>
+        </p:blipFill>
+        <p:spPr>
+          <a:xfrm>
+            <a:off x="4000080" y="2685520"/>
+            <a:ext cx="2238760" cy="1812489"/>
           </a:xfrm>
           <a:prstGeom prst="rect">
             <a:avLst/>
@@ -5268,7 +5647,7 @@
     </p:spTree>
     <p:extLst>
       <p:ext uri="{BB962C8B-B14F-4D97-AF65-F5344CB8AC3E}">
-        <p14:creationId xmlns:p14="http://schemas.microsoft.com/office/powerpoint/2010/main" val="2404272286"/>
+        <p14:creationId xmlns:p14="http://schemas.microsoft.com/office/powerpoint/2010/main" val="2828004704"/>
       </p:ext>
     </p:extLst>
   </p:cSld>
@@ -5300,7 +5679,7 @@
           <p:cNvPr id="2" name="标题 1">
             <a:extLst>
               <a:ext uri="{FF2B5EF4-FFF2-40B4-BE49-F238E27FC236}">
-                <a16:creationId xmlns:a16="http://schemas.microsoft.com/office/drawing/2014/main" id="{8A714398-7D5B-0D8C-C1D0-69C3E51FC304}"/>
+                <a16:creationId xmlns:a16="http://schemas.microsoft.com/office/drawing/2014/main" id="{23E473FB-FB2C-2E6B-B73C-2355AA0623F2}"/>
               </a:ext>
             </a:extLst>
           </p:cNvPr>
@@ -5312,9 +5691,9 @@
           </p:nvPr>
         </p:nvSpPr>
         <p:spPr>
-          <a:xfrm>
-            <a:off x="838200" y="365125"/>
-            <a:ext cx="10515600" cy="45719"/>
+          <a:xfrm flipV="1">
+            <a:off x="838200" y="207390"/>
+            <a:ext cx="10515600" cy="157735"/>
           </a:xfrm>
         </p:spPr>
         <p:txBody>
@@ -5332,7 +5711,7 @@
           <p:cNvPr id="3" name="内容占位符 2">
             <a:extLst>
               <a:ext uri="{FF2B5EF4-FFF2-40B4-BE49-F238E27FC236}">
-                <a16:creationId xmlns:a16="http://schemas.microsoft.com/office/drawing/2014/main" id="{A86E71CD-9B50-17FC-77F1-A336371A38D1}"/>
+                <a16:creationId xmlns:a16="http://schemas.microsoft.com/office/drawing/2014/main" id="{AF9726EB-9B31-E0C7-7F0B-7B275B26BAE4}"/>
               </a:ext>
             </a:extLst>
           </p:cNvPr>
@@ -5345,8 +5724,8 @@
         </p:nvSpPr>
         <p:spPr>
           <a:xfrm>
-            <a:off x="838200" y="633046"/>
-            <a:ext cx="10515600" cy="5543917"/>
+            <a:off x="838200" y="546755"/>
+            <a:ext cx="10515600" cy="5630208"/>
           </a:xfrm>
         </p:spPr>
         <p:txBody>
@@ -5357,38 +5736,71 @@
           <a:p>
             <a:r>
               <a:rPr lang="zh-CN" altLang="en-US" sz="1800" dirty="0"/>
-              <a:t>多路增广（余流）</a:t>
+              <a:t>缺点：计算机（算法）没办法像人一样有整体观，在极端样例下算法效率极低。</a:t>
             </a:r>
             <a:endParaRPr lang="en-US" altLang="zh-CN" sz="1800" dirty="0"/>
           </a:p>
           <a:p>
             <a:r>
               <a:rPr lang="zh-CN" altLang="en-US" sz="1800" dirty="0"/>
-              <a:t>在</a:t>
+              <a:t>图示算法最优解法只需要</a:t>
             </a:r>
             <a:r>
               <a:rPr lang="en-US" altLang="zh-CN" sz="1800" dirty="0"/>
-              <a:t>DFS</a:t>
+              <a:t>2</a:t>
             </a:r>
             <a:r>
               <a:rPr lang="zh-CN" altLang="en-US" sz="1800" dirty="0"/>
-              <a:t>的过程中，寻找到一条增广路径之后，就会回到出发点重新开始寻找，实际上但是该路径其他流量并没有用完，重新寻找会导致走重复的路。</a:t>
+              <a:t>次，但极端情况下</a:t>
+            </a:r>
+            <a:r>
+              <a:rPr lang="en-US" altLang="zh-CN" sz="1800" dirty="0"/>
+              <a:t>EK</a:t>
+            </a:r>
+            <a:r>
+              <a:rPr lang="zh-CN" altLang="en-US" sz="1800" dirty="0"/>
+              <a:t>算法需要增广</a:t>
+            </a:r>
+            <a:r>
+              <a:rPr lang="en-US" altLang="zh-CN" sz="1800" dirty="0"/>
+              <a:t>2000</a:t>
+            </a:r>
+            <a:r>
+              <a:rPr lang="zh-CN" altLang="en-US" sz="1800" dirty="0"/>
+              <a:t>次才能完成</a:t>
             </a:r>
             <a:endParaRPr lang="en-US" altLang="zh-CN" sz="1800" dirty="0"/>
           </a:p>
           <a:p>
             <a:r>
               <a:rPr lang="zh-CN" altLang="en-US" sz="1800" dirty="0"/>
-              <a:t>因此遍历到一个增广路径之后，只返回到上一父亲节点，再向下寻找增广路径。从而一次</a:t>
+              <a:t>出现错误原因：</a:t>
             </a:r>
             <a:r>
               <a:rPr lang="en-US" altLang="zh-CN" sz="1800" dirty="0"/>
-              <a:t>DFS</a:t>
+              <a:t>EK</a:t>
             </a:r>
             <a:r>
               <a:rPr lang="zh-CN" altLang="en-US" sz="1800" dirty="0"/>
-              <a:t>就可以找出下面所有的增广路径。</a:t>
-            </a:r>
+              <a:t>算法只是单纯的寻找可以到达汇点的</a:t>
+            </a:r>
+            <a:r>
+              <a:rPr lang="zh-CN" altLang="en-US" sz="1800" b="1" dirty="0"/>
+              <a:t>可行路径</a:t>
+            </a:r>
+            <a:r>
+              <a:rPr lang="zh-CN" altLang="en-US" sz="1800" dirty="0"/>
+              <a:t>，并不是</a:t>
+            </a:r>
+            <a:r>
+              <a:rPr lang="zh-CN" altLang="en-US" sz="1800" b="1" dirty="0"/>
+              <a:t>最短可行路径</a:t>
+            </a:r>
+            <a:r>
+              <a:rPr lang="zh-CN" altLang="en-US" sz="1800" dirty="0"/>
+              <a:t>，导致出现绕远路的情况</a:t>
+            </a:r>
+            <a:endParaRPr lang="zh-CN" altLang="en-US" sz="1800" b="1" dirty="0"/>
           </a:p>
         </p:txBody>
       </p:sp>
@@ -5397,7 +5809,7 @@
           <p:cNvPr id="5" name="图片 4">
             <a:extLst>
               <a:ext uri="{FF2B5EF4-FFF2-40B4-BE49-F238E27FC236}">
-                <a16:creationId xmlns:a16="http://schemas.microsoft.com/office/drawing/2014/main" id="{B2D83F3D-5D5B-66BA-ECE8-3CBB37CCE4E0}"/>
+                <a16:creationId xmlns:a16="http://schemas.microsoft.com/office/drawing/2014/main" id="{714BB445-504E-A707-7303-D2B3773680FC}"/>
               </a:ext>
             </a:extLst>
           </p:cNvPr>
@@ -5414,68 +5826,8 @@
         </p:blipFill>
         <p:spPr>
           <a:xfrm>
-            <a:off x="1031631" y="2836456"/>
-            <a:ext cx="2978760" cy="3340507"/>
-          </a:xfrm>
-          <a:prstGeom prst="rect">
-            <a:avLst/>
-          </a:prstGeom>
-        </p:spPr>
-      </p:pic>
-      <p:pic>
-        <p:nvPicPr>
-          <p:cNvPr id="7" name="图片 6">
-            <a:extLst>
-              <a:ext uri="{FF2B5EF4-FFF2-40B4-BE49-F238E27FC236}">
-                <a16:creationId xmlns:a16="http://schemas.microsoft.com/office/drawing/2014/main" id="{43BA1FDB-675E-CFA7-9D61-85208612C91E}"/>
-              </a:ext>
-            </a:extLst>
-          </p:cNvPr>
-          <p:cNvPicPr>
-            <a:picLocks noChangeAspect="1"/>
-          </p:cNvPicPr>
-          <p:nvPr/>
-        </p:nvPicPr>
-        <p:blipFill>
-          <a:blip r:embed="rId3"/>
-          <a:stretch>
-            <a:fillRect/>
-          </a:stretch>
-        </p:blipFill>
-        <p:spPr>
-          <a:xfrm>
-            <a:off x="4925432" y="2836456"/>
-            <a:ext cx="2341136" cy="3475211"/>
-          </a:xfrm>
-          <a:prstGeom prst="rect">
-            <a:avLst/>
-          </a:prstGeom>
-        </p:spPr>
-      </p:pic>
-      <p:pic>
-        <p:nvPicPr>
-          <p:cNvPr id="9" name="图片 8">
-            <a:extLst>
-              <a:ext uri="{FF2B5EF4-FFF2-40B4-BE49-F238E27FC236}">
-                <a16:creationId xmlns:a16="http://schemas.microsoft.com/office/drawing/2014/main" id="{3F4186FC-94F9-FEE2-CAC4-D0E39244E1A5}"/>
-              </a:ext>
-            </a:extLst>
-          </p:cNvPr>
-          <p:cNvPicPr>
-            <a:picLocks noChangeAspect="1"/>
-          </p:cNvPicPr>
-          <p:nvPr/>
-        </p:nvPicPr>
-        <p:blipFill>
-          <a:blip r:embed="rId4"/>
-          <a:stretch>
-            <a:fillRect/>
-          </a:stretch>
-        </p:blipFill>
-        <p:spPr>
-          <a:xfrm>
-            <a:off x="8854521" y="2836456"/>
-            <a:ext cx="2305848" cy="3578631"/>
+            <a:off x="1385739" y="2400777"/>
+            <a:ext cx="3602463" cy="3545880"/>
           </a:xfrm>
           <a:prstGeom prst="rect">
             <a:avLst/>
@@ -5485,7 +5837,7 @@
     </p:spTree>
     <p:extLst>
       <p:ext uri="{BB962C8B-B14F-4D97-AF65-F5344CB8AC3E}">
-        <p14:creationId xmlns:p14="http://schemas.microsoft.com/office/powerpoint/2010/main" val="3613171418"/>
+        <p14:creationId xmlns:p14="http://schemas.microsoft.com/office/powerpoint/2010/main" val="3529489460"/>
       </p:ext>
     </p:extLst>
   </p:cSld>
@@ -5517,7 +5869,7 @@
           <p:cNvPr id="2" name="标题 1">
             <a:extLst>
               <a:ext uri="{FF2B5EF4-FFF2-40B4-BE49-F238E27FC236}">
-                <a16:creationId xmlns:a16="http://schemas.microsoft.com/office/drawing/2014/main" id="{2E1EC0CF-100B-334C-65AF-3BD969690452}"/>
+                <a16:creationId xmlns:a16="http://schemas.microsoft.com/office/drawing/2014/main" id="{081199B0-E3A2-018B-C0CA-8A93DBEF408C}"/>
               </a:ext>
             </a:extLst>
           </p:cNvPr>
@@ -5528,21 +5880,101 @@
             <p:ph type="title"/>
           </p:nvPr>
         </p:nvSpPr>
-        <p:spPr/>
-        <p:txBody>
-          <a:bodyPr/>
-          <a:lstStyle/>
-          <a:p>
-            <a:endParaRPr lang="zh-CN" altLang="en-US"/>
+        <p:spPr>
+          <a:xfrm flipV="1">
+            <a:off x="838200" y="117232"/>
+            <a:ext cx="10515600" cy="247894"/>
+          </a:xfrm>
+        </p:spPr>
+        <p:txBody>
+          <a:bodyPr>
+            <a:normAutofit fontScale="90000"/>
+          </a:bodyPr>
+          <a:lstStyle/>
+          <a:p>
+            <a:endParaRPr lang="zh-CN" altLang="en-US" dirty="0"/>
+          </a:p>
+        </p:txBody>
+      </p:sp>
+      <p:sp>
+        <p:nvSpPr>
+          <p:cNvPr id="3" name="内容占位符 2">
+            <a:extLst>
+              <a:ext uri="{FF2B5EF4-FFF2-40B4-BE49-F238E27FC236}">
+                <a16:creationId xmlns:a16="http://schemas.microsoft.com/office/drawing/2014/main" id="{59D53C5B-E4B3-865C-0ECA-4B357634DDA3}"/>
+              </a:ext>
+            </a:extLst>
+          </p:cNvPr>
+          <p:cNvSpPr>
+            <a:spLocks noGrp="1"/>
+          </p:cNvSpPr>
+          <p:nvPr>
+            <p:ph idx="1"/>
+          </p:nvPr>
+        </p:nvSpPr>
+        <p:spPr>
+          <a:xfrm>
+            <a:off x="838200" y="574431"/>
+            <a:ext cx="10515600" cy="5602532"/>
+          </a:xfrm>
+        </p:spPr>
+        <p:txBody>
+          <a:bodyPr>
+            <a:normAutofit/>
+          </a:bodyPr>
+          <a:lstStyle/>
+          <a:p>
+            <a:r>
+              <a:rPr lang="zh-CN" altLang="en-US" sz="1800" dirty="0"/>
+              <a:t>由于极端情况下，该算法效率很低，且在</a:t>
+            </a:r>
+            <a:r>
+              <a:rPr lang="en-US" altLang="zh-CN" sz="1800" dirty="0"/>
+              <a:t>EK</a:t>
+            </a:r>
+            <a:r>
+              <a:rPr lang="zh-CN" altLang="en-US" sz="1800" dirty="0"/>
+              <a:t>算法中这种情况无法避免，需要对算法进行优化：</a:t>
+            </a:r>
+            <a:endParaRPr lang="en-US" altLang="zh-CN" sz="1800" dirty="0"/>
+          </a:p>
+          <a:p>
+            <a:r>
+              <a:rPr lang="zh-CN" altLang="en-US" sz="1800" dirty="0"/>
+              <a:t>因为路径的选择方式不会影响最终结果，因此可以通过降低路径长度（不绕远路）来提高算法效率</a:t>
+            </a:r>
+            <a:endParaRPr lang="en-US" altLang="zh-CN" sz="1800" dirty="0"/>
+          </a:p>
+          <a:p>
+            <a:r>
+              <a:rPr lang="en-US" altLang="zh-CN" sz="1800" dirty="0"/>
+              <a:t>DINIC</a:t>
+            </a:r>
+            <a:r>
+              <a:rPr lang="zh-CN" altLang="en-US" sz="1800" dirty="0"/>
+              <a:t>算法：从源节点开始通过</a:t>
+            </a:r>
+            <a:r>
+              <a:rPr lang="en-US" altLang="zh-CN" sz="1800" dirty="0"/>
+              <a:t>BFS</a:t>
+            </a:r>
+            <a:r>
+              <a:rPr lang="zh-CN" altLang="en-US" sz="1800" dirty="0"/>
+              <a:t>对节点进行分层，每次前行的时候都是尽可能前往更高层的节点，这种情况下保证每一次“前行”都是靠近终点</a:t>
+            </a:r>
+            <a:endParaRPr lang="en-US" altLang="zh-CN" sz="1800" dirty="0"/>
+          </a:p>
+          <a:p>
+            <a:endParaRPr lang="zh-CN" altLang="en-US" sz="1800" dirty="0"/>
           </a:p>
         </p:txBody>
       </p:sp>
       <p:pic>
         <p:nvPicPr>
-          <p:cNvPr id="7" name="图片 6">
-            <a:extLst>
-              <a:ext uri="{FF2B5EF4-FFF2-40B4-BE49-F238E27FC236}">
-                <a16:creationId xmlns:a16="http://schemas.microsoft.com/office/drawing/2014/main" id="{F442D5D2-1EE2-8A19-4934-7E1A80227810}"/>
+          <p:cNvPr id="5" name="图片 4">
+            <a:extLst>
+              <a:ext uri="{FF2B5EF4-FFF2-40B4-BE49-F238E27FC236}">
+                <a16:creationId xmlns:a16="http://schemas.microsoft.com/office/drawing/2014/main" id="{26879F80-B304-95CE-9320-F71B8D6C8B22}"/>
               </a:ext>
             </a:extLst>
           </p:cNvPr>
@@ -5559,43 +5991,18 @@
         </p:blipFill>
         <p:spPr>
           <a:xfrm>
-            <a:off x="2543908" y="724302"/>
-            <a:ext cx="7469431" cy="5768573"/>
+            <a:off x="4326904" y="2306181"/>
+            <a:ext cx="2805048" cy="3432053"/>
           </a:xfrm>
           <a:prstGeom prst="rect">
             <a:avLst/>
           </a:prstGeom>
         </p:spPr>
       </p:pic>
-      <p:sp>
-        <p:nvSpPr>
-          <p:cNvPr id="9" name="内容占位符 8">
-            <a:extLst>
-              <a:ext uri="{FF2B5EF4-FFF2-40B4-BE49-F238E27FC236}">
-                <a16:creationId xmlns:a16="http://schemas.microsoft.com/office/drawing/2014/main" id="{496D168B-2864-D140-6C24-88215FCB87A7}"/>
-              </a:ext>
-            </a:extLst>
-          </p:cNvPr>
-          <p:cNvSpPr>
-            <a:spLocks noGrp="1"/>
-          </p:cNvSpPr>
-          <p:nvPr>
-            <p:ph idx="1"/>
-          </p:nvPr>
-        </p:nvSpPr>
-        <p:spPr/>
-        <p:txBody>
-          <a:bodyPr/>
-          <a:lstStyle/>
-          <a:p>
-            <a:endParaRPr lang="zh-CN" altLang="en-US" dirty="0"/>
-          </a:p>
-        </p:txBody>
-      </p:sp>
     </p:spTree>
     <p:extLst>
       <p:ext uri="{BB962C8B-B14F-4D97-AF65-F5344CB8AC3E}">
-        <p14:creationId xmlns:p14="http://schemas.microsoft.com/office/powerpoint/2010/main" val="3011449244"/>
+        <p14:creationId xmlns:p14="http://schemas.microsoft.com/office/powerpoint/2010/main" val="2404272286"/>
       </p:ext>
     </p:extLst>
   </p:cSld>
@@ -5627,7 +6034,7 @@
           <p:cNvPr id="2" name="标题 1">
             <a:extLst>
               <a:ext uri="{FF2B5EF4-FFF2-40B4-BE49-F238E27FC236}">
-                <a16:creationId xmlns:a16="http://schemas.microsoft.com/office/drawing/2014/main" id="{0E04042D-6218-41DD-5CA5-D829D3AE2FDC}"/>
+                <a16:creationId xmlns:a16="http://schemas.microsoft.com/office/drawing/2014/main" id="{8A714398-7D5B-0D8C-C1D0-69C3E51FC304}"/>
               </a:ext>
             </a:extLst>
           </p:cNvPr>
@@ -5638,30 +6045,168 @@
             <p:ph type="title"/>
           </p:nvPr>
         </p:nvSpPr>
-        <p:spPr/>
-        <p:txBody>
-          <a:bodyPr/>
-          <a:lstStyle/>
-          <a:p>
-            <a:endParaRPr lang="zh-CN" altLang="en-US"/>
+        <p:spPr>
+          <a:xfrm>
+            <a:off x="838200" y="365125"/>
+            <a:ext cx="10515600" cy="45719"/>
+          </a:xfrm>
+        </p:spPr>
+        <p:txBody>
+          <a:bodyPr>
+            <a:normAutofit fontScale="90000"/>
+          </a:bodyPr>
+          <a:lstStyle/>
+          <a:p>
+            <a:endParaRPr lang="zh-CN" altLang="en-US" dirty="0"/>
+          </a:p>
+        </p:txBody>
+      </p:sp>
+      <p:sp>
+        <p:nvSpPr>
+          <p:cNvPr id="3" name="内容占位符 2">
+            <a:extLst>
+              <a:ext uri="{FF2B5EF4-FFF2-40B4-BE49-F238E27FC236}">
+                <a16:creationId xmlns:a16="http://schemas.microsoft.com/office/drawing/2014/main" id="{A86E71CD-9B50-17FC-77F1-A336371A38D1}"/>
+              </a:ext>
+            </a:extLst>
+          </p:cNvPr>
+          <p:cNvSpPr>
+            <a:spLocks noGrp="1"/>
+          </p:cNvSpPr>
+          <p:nvPr>
+            <p:ph idx="1"/>
+          </p:nvPr>
+        </p:nvSpPr>
+        <p:spPr>
+          <a:xfrm>
+            <a:off x="838200" y="633046"/>
+            <a:ext cx="10515600" cy="5543917"/>
+          </a:xfrm>
+        </p:spPr>
+        <p:txBody>
+          <a:bodyPr>
+            <a:normAutofit/>
+          </a:bodyPr>
+          <a:lstStyle/>
+          <a:p>
+            <a:r>
+              <a:rPr lang="zh-CN" altLang="en-US" sz="1800" dirty="0"/>
+              <a:t>多路增广（余流）</a:t>
+            </a:r>
+            <a:endParaRPr lang="en-US" altLang="zh-CN" sz="1800" dirty="0"/>
+          </a:p>
+          <a:p>
+            <a:r>
+              <a:rPr lang="zh-CN" altLang="en-US" sz="1800" dirty="0"/>
+              <a:t>在</a:t>
+            </a:r>
+            <a:r>
+              <a:rPr lang="en-US" altLang="zh-CN" sz="1800" dirty="0"/>
+              <a:t>DFS</a:t>
+            </a:r>
+            <a:r>
+              <a:rPr lang="zh-CN" altLang="en-US" sz="1800" dirty="0"/>
+              <a:t>的过程中，寻找到一条增广路径之后，就会回到出发点重新开始寻找，实际上但是该路径其他流量并没有用完，重新寻找会导致走重复的路。</a:t>
+            </a:r>
+            <a:endParaRPr lang="en-US" altLang="zh-CN" sz="1800" dirty="0"/>
+          </a:p>
+          <a:p>
+            <a:r>
+              <a:rPr lang="zh-CN" altLang="en-US" sz="1800" dirty="0"/>
+              <a:t>因此遍历到一个增广路径之后，只返回到上一父亲节点，再向下寻找增广路径。从而一次</a:t>
+            </a:r>
+            <a:r>
+              <a:rPr lang="en-US" altLang="zh-CN" sz="1800" dirty="0"/>
+              <a:t>DFS</a:t>
+            </a:r>
+            <a:r>
+              <a:rPr lang="zh-CN" altLang="en-US" sz="1800" dirty="0"/>
+              <a:t>就可以找出下面所有的增广路径。</a:t>
+            </a:r>
+            <a:endParaRPr lang="en-US" altLang="zh-CN" sz="1800" dirty="0"/>
+          </a:p>
+          <a:p>
+            <a:r>
+              <a:rPr lang="zh-CN" altLang="en-US" sz="1800" dirty="0"/>
+              <a:t>采用多路增广后，每次</a:t>
+            </a:r>
+            <a:r>
+              <a:rPr lang="en-US" altLang="zh-CN" sz="1800" dirty="0" err="1"/>
+              <a:t>bfs</a:t>
+            </a:r>
+            <a:r>
+              <a:rPr lang="zh-CN" altLang="en-US" sz="1800" dirty="0"/>
+              <a:t>分层完毕只需执行一次</a:t>
+            </a:r>
+            <a:r>
+              <a:rPr lang="en-US" altLang="zh-CN" sz="1800" dirty="0" err="1"/>
+              <a:t>dfs</a:t>
+            </a:r>
+            <a:r>
+              <a:rPr lang="zh-CN" altLang="en-US" sz="1800" dirty="0"/>
+              <a:t>即可</a:t>
+            </a:r>
+            <a:endParaRPr lang="en-US" altLang="zh-CN" sz="1800" dirty="0"/>
+          </a:p>
+          <a:p>
+            <a:pPr marL="0" indent="0">
+              <a:buNone/>
+            </a:pPr>
+            <a:r>
+              <a:rPr lang="en-US" altLang="zh-CN" sz="1800" dirty="0"/>
+              <a:t> While(</a:t>
+            </a:r>
+            <a:r>
+              <a:rPr lang="en-US" altLang="zh-CN" sz="1800" dirty="0" err="1"/>
+              <a:t>bfs</a:t>
+            </a:r>
+            <a:r>
+              <a:rPr lang="en-US" altLang="zh-CN" sz="1800" dirty="0"/>
+              <a:t>()){</a:t>
+            </a:r>
+          </a:p>
+          <a:p>
+            <a:pPr marL="0" indent="0">
+              <a:buNone/>
+            </a:pPr>
+            <a:r>
+              <a:rPr lang="en-US" altLang="zh-CN" sz="1800" dirty="0"/>
+              <a:t>     </a:t>
+            </a:r>
+            <a:r>
+              <a:rPr lang="en-US" altLang="zh-CN" sz="1800" dirty="0" err="1"/>
+              <a:t>dfs</a:t>
+            </a:r>
+            <a:r>
+              <a:rPr lang="en-US" altLang="zh-CN" sz="1800" dirty="0"/>
+              <a:t>();</a:t>
+            </a:r>
+          </a:p>
+          <a:p>
+            <a:pPr marL="0" indent="0">
+              <a:buNone/>
+            </a:pPr>
+            <a:r>
+              <a:rPr lang="en-US" altLang="zh-CN" sz="1800" dirty="0"/>
+              <a:t> }</a:t>
+            </a:r>
+            <a:endParaRPr lang="zh-CN" altLang="en-US" sz="1800" dirty="0"/>
           </a:p>
         </p:txBody>
       </p:sp>
       <p:pic>
         <p:nvPicPr>
-          <p:cNvPr id="5" name="内容占位符 4">
-            <a:extLst>
-              <a:ext uri="{FF2B5EF4-FFF2-40B4-BE49-F238E27FC236}">
-                <a16:creationId xmlns:a16="http://schemas.microsoft.com/office/drawing/2014/main" id="{16FDB28A-DBF5-0F5F-D2F2-495BEA275FE4}"/>
+          <p:cNvPr id="5" name="图片 4">
+            <a:extLst>
+              <a:ext uri="{FF2B5EF4-FFF2-40B4-BE49-F238E27FC236}">
+                <a16:creationId xmlns:a16="http://schemas.microsoft.com/office/drawing/2014/main" id="{B2D83F3D-5D5B-66BA-ECE8-3CBB37CCE4E0}"/>
               </a:ext>
             </a:extLst>
           </p:cNvPr>
           <p:cNvPicPr>
-            <a:picLocks noGrp="1" noChangeAspect="1"/>
+            <a:picLocks noChangeAspect="1"/>
           </p:cNvPicPr>
-          <p:nvPr>
-            <p:ph idx="1"/>
-          </p:nvPr>
+          <p:nvPr/>
         </p:nvPicPr>
         <p:blipFill>
           <a:blip r:embed="rId2"/>
@@ -5671,15 +6216,78 @@
         </p:blipFill>
         <p:spPr>
           <a:xfrm>
-            <a:off x="2568850" y="651180"/>
-            <a:ext cx="7300551" cy="5555640"/>
+            <a:off x="4263675" y="2701752"/>
+            <a:ext cx="2978760" cy="3340507"/>
           </a:xfrm>
+          <a:prstGeom prst="rect">
+            <a:avLst/>
+          </a:prstGeom>
+        </p:spPr>
+      </p:pic>
+      <p:pic>
+        <p:nvPicPr>
+          <p:cNvPr id="7" name="图片 6">
+            <a:extLst>
+              <a:ext uri="{FF2B5EF4-FFF2-40B4-BE49-F238E27FC236}">
+                <a16:creationId xmlns:a16="http://schemas.microsoft.com/office/drawing/2014/main" id="{43BA1FDB-675E-CFA7-9D61-85208612C91E}"/>
+              </a:ext>
+            </a:extLst>
+          </p:cNvPr>
+          <p:cNvPicPr>
+            <a:picLocks noChangeAspect="1"/>
+          </p:cNvPicPr>
+          <p:nvPr/>
+        </p:nvPicPr>
+        <p:blipFill>
+          <a:blip r:embed="rId3"/>
+          <a:stretch>
+            <a:fillRect/>
+          </a:stretch>
+        </p:blipFill>
+        <p:spPr>
+          <a:xfrm>
+            <a:off x="6699315" y="2701752"/>
+            <a:ext cx="2341136" cy="3475211"/>
+          </a:xfrm>
+          <a:prstGeom prst="rect">
+            <a:avLst/>
+          </a:prstGeom>
+        </p:spPr>
+      </p:pic>
+      <p:pic>
+        <p:nvPicPr>
+          <p:cNvPr id="9" name="图片 8">
+            <a:extLst>
+              <a:ext uri="{FF2B5EF4-FFF2-40B4-BE49-F238E27FC236}">
+                <a16:creationId xmlns:a16="http://schemas.microsoft.com/office/drawing/2014/main" id="{3F4186FC-94F9-FEE2-CAC4-D0E39244E1A5}"/>
+              </a:ext>
+            </a:extLst>
+          </p:cNvPr>
+          <p:cNvPicPr>
+            <a:picLocks noChangeAspect="1"/>
+          </p:cNvPicPr>
+          <p:nvPr/>
+        </p:nvPicPr>
+        <p:blipFill>
+          <a:blip r:embed="rId4"/>
+          <a:stretch>
+            <a:fillRect/>
+          </a:stretch>
+        </p:blipFill>
+        <p:spPr>
+          <a:xfrm>
+            <a:off x="8854521" y="2836456"/>
+            <a:ext cx="2305848" cy="3578631"/>
+          </a:xfrm>
+          <a:prstGeom prst="rect">
+            <a:avLst/>
+          </a:prstGeom>
         </p:spPr>
       </p:pic>
     </p:spTree>
     <p:extLst>
       <p:ext uri="{BB962C8B-B14F-4D97-AF65-F5344CB8AC3E}">
-        <p14:creationId xmlns:p14="http://schemas.microsoft.com/office/powerpoint/2010/main" val="2595388206"/>
+        <p14:creationId xmlns:p14="http://schemas.microsoft.com/office/powerpoint/2010/main" val="3613171418"/>
       </p:ext>
     </p:extLst>
   </p:cSld>
